--- a/jsm2023.pptx
+++ b/jsm2023.pptx
@@ -5,11 +5,12 @@
     <p:sldMasterId id="2147483660" r:id="rId1"/>
   </p:sldMasterIdLst>
   <p:notesMasterIdLst>
-    <p:notesMasterId r:id="rId4"/>
+    <p:notesMasterId r:id="rId5"/>
   </p:notesMasterIdLst>
   <p:sldIdLst>
     <p:sldId id="258" r:id="rId2"/>
     <p:sldId id="259" r:id="rId3"/>
+    <p:sldId id="260" r:id="rId4"/>
   </p:sldIdLst>
   <p:sldSz cx="12192000" cy="6858000"/>
   <p:notesSz cx="6858000" cy="9144000"/>
@@ -922,6 +923,234 @@
 </p:notes>
 </file>
 
+<file path=ppt/notesSlides/notesSlide3.xml><?xml version="1.0" encoding="utf-8"?>
+<p:notes xmlns:a="http://schemas.openxmlformats.org/drawingml/2006/main" xmlns:r="http://schemas.openxmlformats.org/officeDocument/2006/relationships" xmlns:p="http://schemas.openxmlformats.org/presentationml/2006/main">
+  <p:cSld>
+    <p:spTree>
+      <p:nvGrpSpPr>
+        <p:cNvPr id="1" name=""/>
+        <p:cNvGrpSpPr/>
+        <p:nvPr/>
+      </p:nvGrpSpPr>
+      <p:grpSpPr>
+        <a:xfrm>
+          <a:off x="0" y="0"/>
+          <a:ext cx="0" cy="0"/>
+          <a:chOff x="0" y="0"/>
+          <a:chExt cx="0" cy="0"/>
+        </a:xfrm>
+      </p:grpSpPr>
+      <p:sp>
+        <p:nvSpPr>
+          <p:cNvPr id="2" name="Slide Image Placeholder 1"/>
+          <p:cNvSpPr>
+            <a:spLocks noGrp="1" noRot="1" noChangeAspect="1"/>
+          </p:cNvSpPr>
+          <p:nvPr>
+            <p:ph type="sldImg"/>
+          </p:nvPr>
+        </p:nvSpPr>
+        <p:spPr/>
+      </p:sp>
+      <p:sp>
+        <p:nvSpPr>
+          <p:cNvPr id="3" name="Notes Placeholder 2"/>
+          <p:cNvSpPr>
+            <a:spLocks noGrp="1"/>
+          </p:cNvSpPr>
+          <p:nvPr>
+            <p:ph type="body" idx="1"/>
+          </p:nvPr>
+        </p:nvSpPr>
+        <p:spPr/>
+        <p:txBody>
+          <a:bodyPr/>
+          <a:lstStyle/>
+          <a:p>
+            <a:r>
+              <a:rPr lang="en-US" dirty="0"/>
+              <a:t>Notes:</a:t>
+            </a:r>
+          </a:p>
+          <a:p>
+            <a:pPr marL="171450" indent="-171450">
+              <a:buFont typeface="Arial" panose="020B0604020202020204" pitchFamily="34" charset="0"/>
+              <a:buChar char="•"/>
+            </a:pPr>
+            <a:r>
+              <a:rPr lang="en-US" dirty="0"/>
+              <a:t>In </a:t>
+            </a:r>
+            <a:r>
+              <a:rPr lang="en-US" dirty="0" err="1"/>
+              <a:t>Powerpoint</a:t>
+            </a:r>
+            <a:r>
+              <a:rPr lang="en-US" dirty="0"/>
+              <a:t>, click View &gt; Guides</a:t>
+            </a:r>
+          </a:p>
+          <a:p>
+            <a:pPr marL="171450" indent="-171450">
+              <a:buFont typeface="Arial" panose="020B0604020202020204" pitchFamily="34" charset="0"/>
+              <a:buChar char="•"/>
+            </a:pPr>
+            <a:r>
+              <a:rPr lang="en-US" dirty="0"/>
+              <a:t>Keep text within gutter guides.</a:t>
+            </a:r>
+          </a:p>
+          <a:p>
+            <a:pPr marL="171450" indent="-171450">
+              <a:buFont typeface="Arial" panose="020B0604020202020204" pitchFamily="34" charset="0"/>
+              <a:buChar char="•"/>
+            </a:pPr>
+            <a:r>
+              <a:rPr lang="en-US" dirty="0"/>
+              <a:t>Author list: Don’t split names onto two lines (e.g., “Jimmy [break] Smith”). If that happens, use a new line, unless you need the space. </a:t>
+            </a:r>
+            <a:r>
+              <a:rPr lang="en-US" b="1" dirty="0"/>
+              <a:t>Bold the first names of anybody who’s presenting</a:t>
+            </a:r>
+            <a:r>
+              <a:rPr lang="en-US" dirty="0"/>
+              <a:t> in person.</a:t>
+            </a:r>
+          </a:p>
+          <a:p>
+            <a:pPr marL="171450" indent="-171450">
+              <a:buFont typeface="Arial" panose="020B0604020202020204" pitchFamily="34" charset="0"/>
+              <a:buChar char="•"/>
+            </a:pPr>
+            <a:r>
+              <a:rPr lang="en-US" dirty="0"/>
+              <a:t>Intro/methods/result: </a:t>
+            </a:r>
+            <a:r>
+              <a:rPr lang="en-US" b="1" dirty="0"/>
+              <a:t>Do not drop below font size 28</a:t>
+            </a:r>
+            <a:r>
+              <a:rPr lang="en-US" dirty="0"/>
+              <a:t>, but if you have extra space, jack up the font size until the space is full.</a:t>
+            </a:r>
+          </a:p>
+          <a:p>
+            <a:pPr marL="171450" indent="-171450">
+              <a:buFont typeface="Arial" panose="020B0604020202020204" pitchFamily="34" charset="0"/>
+              <a:buChar char="•"/>
+            </a:pPr>
+            <a:r>
+              <a:rPr lang="en-US" dirty="0"/>
+              <a:t>Do not use color in the sidebars except in graphs/figures. It’ll pull attention from the center and slow interpretation for passersby.</a:t>
+            </a:r>
+          </a:p>
+          <a:p>
+            <a:pPr marL="0" indent="0">
+              <a:buFont typeface="Arial" panose="020B0604020202020204" pitchFamily="34" charset="0"/>
+              <a:buNone/>
+            </a:pPr>
+            <a:endParaRPr lang="en-US" dirty="0"/>
+          </a:p>
+        </p:txBody>
+      </p:sp>
+      <p:sp>
+        <p:nvSpPr>
+          <p:cNvPr id="4" name="Slide Number Placeholder 3"/>
+          <p:cNvSpPr>
+            <a:spLocks noGrp="1"/>
+          </p:cNvSpPr>
+          <p:nvPr>
+            <p:ph type="sldNum" sz="quarter" idx="5"/>
+          </p:nvPr>
+        </p:nvSpPr>
+        <p:spPr/>
+        <p:txBody>
+          <a:bodyPr/>
+          <a:lstStyle/>
+          <a:p>
+            <a:pPr marL="0" marR="0" lvl="0" indent="0" algn="r" defTabSz="457200" rtl="0" eaLnBrk="1" fontAlgn="auto" latinLnBrk="0" hangingPunct="1">
+              <a:lnSpc>
+                <a:spcPct val="100000"/>
+              </a:lnSpc>
+              <a:spcBef>
+                <a:spcPts val="0"/>
+              </a:spcBef>
+              <a:spcAft>
+                <a:spcPts val="0"/>
+              </a:spcAft>
+              <a:buClrTx/>
+              <a:buSzTx/>
+              <a:buFontTx/>
+              <a:buNone/>
+              <a:tabLst/>
+              <a:defRPr/>
+            </a:pPr>
+            <a:fld id="{E26C2670-3342-473C-969D-FDFF399F2050}" type="slidenum">
+              <a:rPr kumimoji="0" lang="en-US" sz="1200" b="0" i="0" u="none" strike="noStrike" kern="1200" cap="none" spc="0" normalizeH="0" baseline="0" noProof="0" smtClean="0">
+                <a:ln>
+                  <a:noFill/>
+                </a:ln>
+                <a:solidFill>
+                  <a:prstClr val="black"/>
+                </a:solidFill>
+                <a:effectLst/>
+                <a:uLnTx/>
+                <a:uFillTx/>
+                <a:latin typeface="Calibri" panose="020F0502020204030204"/>
+                <a:ea typeface="+mn-ea"/>
+                <a:cs typeface="+mn-cs"/>
+              </a:rPr>
+              <a:pPr marL="0" marR="0" lvl="0" indent="0" algn="r" defTabSz="457200" rtl="0" eaLnBrk="1" fontAlgn="auto" latinLnBrk="0" hangingPunct="1">
+                <a:lnSpc>
+                  <a:spcPct val="100000"/>
+                </a:lnSpc>
+                <a:spcBef>
+                  <a:spcPts val="0"/>
+                </a:spcBef>
+                <a:spcAft>
+                  <a:spcPts val="0"/>
+                </a:spcAft>
+                <a:buClrTx/>
+                <a:buSzTx/>
+                <a:buFontTx/>
+                <a:buNone/>
+                <a:tabLst/>
+                <a:defRPr/>
+              </a:pPr>
+              <a:t>3</a:t>
+            </a:fld>
+            <a:endParaRPr kumimoji="0" lang="en-US" sz="1200" b="0" i="0" u="none" strike="noStrike" kern="1200" cap="none" spc="0" normalizeH="0" baseline="0" noProof="0">
+              <a:ln>
+                <a:noFill/>
+              </a:ln>
+              <a:solidFill>
+                <a:prstClr val="black"/>
+              </a:solidFill>
+              <a:effectLst/>
+              <a:uLnTx/>
+              <a:uFillTx/>
+              <a:latin typeface="Calibri" panose="020F0502020204030204"/>
+              <a:ea typeface="+mn-ea"/>
+              <a:cs typeface="+mn-cs"/>
+            </a:endParaRPr>
+          </a:p>
+        </p:txBody>
+      </p:sp>
+    </p:spTree>
+    <p:extLst>
+      <p:ext uri="{BB962C8B-B14F-4D97-AF65-F5344CB8AC3E}">
+        <p14:creationId xmlns:p14="http://schemas.microsoft.com/office/powerpoint/2010/main" val="1562185083"/>
+      </p:ext>
+    </p:extLst>
+  </p:cSld>
+  <p:clrMapOvr>
+    <a:masterClrMapping/>
+  </p:clrMapOvr>
+</p:notes>
+</file>
+
 <file path=ppt/slideLayouts/slideLayout1.xml><?xml version="1.0" encoding="utf-8"?>
 <p:sldLayout xmlns:a="http://schemas.openxmlformats.org/drawingml/2006/main" xmlns:r="http://schemas.openxmlformats.org/officeDocument/2006/relationships" xmlns:p="http://schemas.openxmlformats.org/presentationml/2006/main" type="title" preserve="1">
   <p:cSld name="Title Slide">
@@ -3228,9 +3457,12 @@
 <p:sldMaster xmlns:a="http://schemas.openxmlformats.org/drawingml/2006/main" xmlns:r="http://schemas.openxmlformats.org/officeDocument/2006/relationships" xmlns:p="http://schemas.openxmlformats.org/presentationml/2006/main">
   <p:cSld>
     <p:bg>
-      <p:bgRef idx="1001">
-        <a:schemeClr val="bg1"/>
-      </p:bgRef>
+      <p:bgPr>
+        <a:solidFill>
+          <a:srgbClr val="7A0005"/>
+        </a:solidFill>
+        <a:effectLst/>
+      </p:bgPr>
     </p:bg>
     <p:spTree>
       <p:nvGrpSpPr>
@@ -3767,17 +3999,6 @@
 <file path=ppt/slides/slide1.xml><?xml version="1.0" encoding="utf-8"?>
 <p:sld xmlns:a="http://schemas.openxmlformats.org/drawingml/2006/main" xmlns:r="http://schemas.openxmlformats.org/officeDocument/2006/relationships" xmlns:p="http://schemas.openxmlformats.org/presentationml/2006/main">
   <p:cSld>
-    <p:bg>
-      <p:bgPr>
-        <a:solidFill>
-          <a:schemeClr val="tx1">
-            <a:lumMod val="85000"/>
-            <a:lumOff val="15000"/>
-          </a:schemeClr>
-        </a:solidFill>
-        <a:effectLst/>
-      </p:bgPr>
-    </p:bg>
     <p:spTree>
       <p:nvGrpSpPr>
         <p:cNvPr id="1" name=""/>
@@ -6030,7 +6251,7 @@
           <p:nvPr/>
         </p:nvPicPr>
         <p:blipFill>
-          <a:blip r:embed="rId5" cstate="print">
+          <a:blip r:embed="rId3" cstate="print">
             <a:extLst>
               <a:ext uri="{28A0092B-C50C-407E-A947-70E740481C1C}">
                 <a14:useLocalDpi xmlns:a14="http://schemas.microsoft.com/office/drawing/2010/main" val="0"/>
@@ -6097,17 +6318,6 @@
 <file path=ppt/slides/slide2.xml><?xml version="1.0" encoding="utf-8"?>
 <p:sld xmlns:a="http://schemas.openxmlformats.org/drawingml/2006/main" xmlns:r="http://schemas.openxmlformats.org/officeDocument/2006/relationships" xmlns:p="http://schemas.openxmlformats.org/presentationml/2006/main">
   <p:cSld>
-    <p:bg>
-      <p:bgPr>
-        <a:solidFill>
-          <a:schemeClr val="tx1">
-            <a:lumMod val="85000"/>
-            <a:lumOff val="15000"/>
-          </a:schemeClr>
-        </a:solidFill>
-        <a:effectLst/>
-      </p:bgPr>
-    </p:bg>
     <p:spTree>
       <p:nvGrpSpPr>
         <p:cNvPr id="1" name=""/>
@@ -6384,7 +6594,7 @@
                 <a:latin typeface="Lato" panose="020F0502020204030203" pitchFamily="34" charset="0"/>
                 <a:cs typeface="Segoe UI" panose="020B0502040204020203" pitchFamily="34" charset="0"/>
               </a:rPr>
-              <a:t>In genome-wide association studies of canine orthopedic diseases, control groups are treated “naively,” as having all true controls, when in fact they are often a mixture true controls and some non-detected cases, usually sub-clinical or sub-diagnostic cases. Other studies have shown the effect of non-detection rates on bias and developed analytic fixes. </a:t>
+              <a:t>In genome-wide association studies of canine orthopedic diseases, control groups are treated “naively,” as having all unaffected controls, when in fact they are often a mixture true controls and some non-detected cases, usually sub-clinical or sub-diagnostic cases. Other studies have shown the effect of non-detection rates on bias and developed analytic fixes. </a:t>
             </a:r>
             <a:r>
               <a:rPr lang="en-US" sz="750" b="1" dirty="0" smtClean="0">
@@ -6394,7 +6604,7 @@
                 <a:latin typeface="Lato" panose="020F0502020204030203" pitchFamily="34" charset="0"/>
                 <a:cs typeface="Segoe UI" panose="020B0502040204020203" pitchFamily="34" charset="0"/>
               </a:rPr>
-              <a:t>This study looked at the effect of non-detection rates on power as a way to plan better GWAS studies.</a:t>
+              <a:t>This study looked at the effect of non-detection rates on power as a way to plan better orthopedic GWAS studies.</a:t>
             </a:r>
           </a:p>
           <a:p>
@@ -7227,8 +7437,8 @@
         </p:nvSpPr>
         <p:spPr>
           <a:xfrm>
-            <a:off x="5121314" y="5937796"/>
-            <a:ext cx="2323539" cy="553998"/>
+            <a:off x="5077650" y="5866637"/>
+            <a:ext cx="2241652" cy="553998"/>
           </a:xfrm>
           <a:prstGeom prst="rect">
             <a:avLst/>
@@ -7262,54 +7472,55 @@
               </a:rPr>
               <a:t> to </a:t>
             </a:r>
-            <a:br>
-              <a:rPr lang="en-US" sz="1000" dirty="0">
+            <a:r>
+              <a:rPr lang="en-US" sz="1000" dirty="0" smtClean="0">
+                <a:solidFill>
+                  <a:srgbClr val="CDCDCD"/>
+                </a:solidFill>
+                <a:latin typeface="Lato Black" panose="020F0A02020204030203" pitchFamily="34" charset="0"/>
+                <a:cs typeface="Arial" panose="020B0604020202020204" pitchFamily="34" charset="0"/>
+              </a:rPr>
+              <a:t>download</a:t>
+            </a:r>
+            <a:r>
+              <a:rPr lang="en-US" sz="1000" dirty="0" smtClean="0">
                 <a:solidFill>
                   <a:srgbClr val="CDCDCD"/>
                 </a:solidFill>
                 <a:latin typeface="Lato" panose="020F0502020204030203" pitchFamily="34" charset="0"/>
                 <a:cs typeface="Arial" panose="020B0604020202020204" pitchFamily="34" charset="0"/>
               </a:rPr>
-            </a:br>
-            <a:r>
-              <a:rPr lang="en-US" sz="1000" dirty="0">
+              <a:t> the</a:t>
+            </a:r>
+            <a:r>
+              <a:rPr lang="en-US" sz="1000" b="1" dirty="0">
+                <a:solidFill>
+                  <a:srgbClr val="CDCDCD"/>
+                </a:solidFill>
+                <a:latin typeface="Lato" panose="020F0502020204030203" pitchFamily="34" charset="0"/>
+                <a:cs typeface="Arial" panose="020B0604020202020204" pitchFamily="34" charset="0"/>
+              </a:rPr>
+              <a:t> </a:t>
+            </a:r>
+            <a:r>
+              <a:rPr lang="en-US" sz="1000" dirty="0" smtClean="0">
                 <a:solidFill>
                   <a:srgbClr val="CDCDCD"/>
                 </a:solidFill>
                 <a:latin typeface="Lato Black" panose="020F0A02020204030203" pitchFamily="34" charset="0"/>
                 <a:cs typeface="Arial" panose="020B0604020202020204" pitchFamily="34" charset="0"/>
               </a:rPr>
-              <a:t>download</a:t>
-            </a:r>
-            <a:r>
-              <a:rPr lang="en-US" sz="1000" dirty="0">
-                <a:solidFill>
-                  <a:srgbClr val="CDCDCD"/>
-                </a:solidFill>
-                <a:latin typeface="Lato" panose="020F0502020204030203" pitchFamily="34" charset="0"/>
-                <a:cs typeface="Arial" panose="020B0604020202020204" pitchFamily="34" charset="0"/>
-              </a:rPr>
-              <a:t> the</a:t>
-            </a:r>
-            <a:r>
-              <a:rPr lang="en-US" sz="1000" b="1" dirty="0">
-                <a:solidFill>
-                  <a:srgbClr val="CDCDCD"/>
-                </a:solidFill>
-                <a:latin typeface="Lato" panose="020F0502020204030203" pitchFamily="34" charset="0"/>
-                <a:cs typeface="Arial" panose="020B0604020202020204" pitchFamily="34" charset="0"/>
-              </a:rPr>
-              <a:t> </a:t>
-            </a:r>
-            <a:r>
-              <a:rPr lang="en-US" sz="1000" dirty="0">
+              <a:t>long abstract. </a:t>
+            </a:r>
+            <a:r>
+              <a:rPr lang="en-US" sz="1000" u="sng" dirty="0" smtClean="0">
                 <a:solidFill>
                   <a:srgbClr val="CDCDCD"/>
                 </a:solidFill>
                 <a:latin typeface="Lato Black" panose="020F0A02020204030203" pitchFamily="34" charset="0"/>
                 <a:cs typeface="Arial" panose="020B0604020202020204" pitchFamily="34" charset="0"/>
               </a:rPr>
-              <a:t>full </a:t>
+              <a:t>It also considers group imbalance</a:t>
             </a:r>
             <a:r>
               <a:rPr lang="en-US" sz="1000" dirty="0" smtClean="0">
@@ -7319,9 +7530,9 @@
                 <a:latin typeface="Lato Black" panose="020F0A02020204030203" pitchFamily="34" charset="0"/>
                 <a:cs typeface="Arial" panose="020B0604020202020204" pitchFamily="34" charset="0"/>
               </a:rPr>
-              <a:t>long abstract. It also considers group imbalance</a:t>
-            </a:r>
-            <a:endParaRPr lang="en-US" sz="1000" dirty="0">
+              <a:t> and has references.</a:t>
+            </a:r>
+            <a:endParaRPr lang="en-US" sz="1000" u="sng" dirty="0">
               <a:solidFill>
                 <a:srgbClr val="CDCDCD"/>
               </a:solidFill>
@@ -7754,24 +7965,14 @@
           <a:p>
             <a:pPr defTabSz="95235"/>
             <a:r>
-              <a:rPr lang="en-US" sz="1125" b="1" i="1" dirty="0">
+              <a:rPr lang="en-US" sz="1125" b="1" i="1" dirty="0" smtClean="0">
                 <a:solidFill>
                   <a:prstClr val="black"/>
                 </a:solidFill>
                 <a:latin typeface="Lato" panose="020F0502020204030203" pitchFamily="34" charset="0"/>
                 <a:cs typeface="Segoe UI" panose="020B0502040204020203" pitchFamily="34" charset="0"/>
               </a:rPr>
-              <a:t>Title</a:t>
-            </a:r>
-            <a:r>
-              <a:rPr lang="en-US" sz="1125" b="1" i="1" dirty="0" smtClean="0">
-                <a:solidFill>
-                  <a:prstClr val="black"/>
-                </a:solidFill>
-                <a:latin typeface="Lato" panose="020F0502020204030203" pitchFamily="34" charset="0"/>
-                <a:cs typeface="Segoe UI" panose="020B0502040204020203" pitchFamily="34" charset="0"/>
-              </a:rPr>
-              <a:t>: Designing GWAS studies</a:t>
+              <a:t>Designing Orthopedic GWAS studies</a:t>
             </a:r>
             <a:r>
               <a:rPr lang="en-US" sz="1125" i="1" dirty="0">
@@ -8141,7 +8342,7 @@
       </p:pic>
       <p:pic>
         <p:nvPicPr>
-          <p:cNvPr id="18" name="Picture 17"/>
+          <p:cNvPr id="2" name="Picture 1"/>
           <p:cNvPicPr>
             <a:picLocks noChangeAspect="1"/>
           </p:cNvPicPr>
@@ -8149,36 +8350,6 @@
         </p:nvPicPr>
         <p:blipFill>
           <a:blip r:embed="rId6" cstate="print">
-            <a:extLst>
-              <a:ext uri="{28A0092B-C50C-407E-A947-70E740481C1C}">
-                <a14:useLocalDpi xmlns:a14="http://schemas.microsoft.com/office/drawing/2010/main" val="0"/>
-              </a:ext>
-            </a:extLst>
-          </a:blip>
-          <a:stretch>
-            <a:fillRect/>
-          </a:stretch>
-        </p:blipFill>
-        <p:spPr>
-          <a:xfrm>
-            <a:off x="3961522" y="2275037"/>
-            <a:ext cx="4634833" cy="3089887"/>
-          </a:xfrm>
-          <a:prstGeom prst="rect">
-            <a:avLst/>
-          </a:prstGeom>
-        </p:spPr>
-      </p:pic>
-      <p:pic>
-        <p:nvPicPr>
-          <p:cNvPr id="2" name="Picture 1"/>
-          <p:cNvPicPr>
-            <a:picLocks noChangeAspect="1"/>
-          </p:cNvPicPr>
-          <p:nvPr/>
-        </p:nvPicPr>
-        <p:blipFill>
-          <a:blip r:embed="rId7" cstate="print">
             <a:extLst>
               <a:ext uri="{28A0092B-C50C-407E-A947-70E740481C1C}">
                 <a14:useLocalDpi xmlns:a14="http://schemas.microsoft.com/office/drawing/2010/main" val="0"/>
@@ -8434,7 +8605,7 @@
           <p:nvPr/>
         </p:nvPicPr>
         <p:blipFill>
-          <a:blip r:embed="rId8"/>
+          <a:blip r:embed="rId7"/>
           <a:stretch>
             <a:fillRect/>
           </a:stretch>
@@ -8449,10 +8620,1993 @@
           </a:prstGeom>
         </p:spPr>
       </p:pic>
+      <p:pic>
+        <p:nvPicPr>
+          <p:cNvPr id="30" name="Picture 29"/>
+          <p:cNvPicPr>
+            <a:picLocks noChangeAspect="1"/>
+          </p:cNvPicPr>
+          <p:nvPr/>
+        </p:nvPicPr>
+        <p:blipFill>
+          <a:blip r:embed="rId8" cstate="print">
+            <a:extLst>
+              <a:ext uri="{28A0092B-C50C-407E-A947-70E740481C1C}">
+                <a14:useLocalDpi xmlns:a14="http://schemas.microsoft.com/office/drawing/2010/main" val="0"/>
+              </a:ext>
+            </a:extLst>
+          </a:blip>
+          <a:stretch>
+            <a:fillRect/>
+          </a:stretch>
+        </p:blipFill>
+        <p:spPr>
+          <a:xfrm>
+            <a:off x="3962454" y="2063807"/>
+            <a:ext cx="4836426" cy="3224284"/>
+          </a:xfrm>
+          <a:prstGeom prst="rect">
+            <a:avLst/>
+          </a:prstGeom>
+        </p:spPr>
+      </p:pic>
     </p:spTree>
     <p:extLst>
       <p:ext uri="{BB962C8B-B14F-4D97-AF65-F5344CB8AC3E}">
         <p14:creationId xmlns:p14="http://schemas.microsoft.com/office/powerpoint/2010/main" val="2117535567"/>
+      </p:ext>
+    </p:extLst>
+  </p:cSld>
+  <p:clrMapOvr>
+    <a:masterClrMapping/>
+  </p:clrMapOvr>
+</p:sld>
+</file>
+
+<file path=ppt/slides/slide3.xml><?xml version="1.0" encoding="utf-8"?>
+<p:sld xmlns:a="http://schemas.openxmlformats.org/drawingml/2006/main" xmlns:r="http://schemas.openxmlformats.org/officeDocument/2006/relationships" xmlns:p="http://schemas.openxmlformats.org/presentationml/2006/main">
+  <p:cSld>
+    <p:bg>
+      <p:bgPr>
+        <a:solidFill>
+          <a:srgbClr val="FFFFFF"/>
+        </a:solidFill>
+        <a:effectLst/>
+      </p:bgPr>
+    </p:bg>
+    <p:spTree>
+      <p:nvGrpSpPr>
+        <p:cNvPr id="1" name=""/>
+        <p:cNvGrpSpPr/>
+        <p:nvPr/>
+      </p:nvGrpSpPr>
+      <p:grpSpPr>
+        <a:xfrm>
+          <a:off x="0" y="0"/>
+          <a:ext cx="0" cy="0"/>
+          <a:chOff x="0" y="0"/>
+          <a:chExt cx="0" cy="0"/>
+        </a:xfrm>
+      </p:grpSpPr>
+      <p:sp>
+        <p:nvSpPr>
+          <p:cNvPr id="4" name="Rounded Rectangle 3"/>
+          <p:cNvSpPr/>
+          <p:nvPr/>
+        </p:nvSpPr>
+        <p:spPr>
+          <a:xfrm>
+            <a:off x="3126323" y="179283"/>
+            <a:ext cx="6332100" cy="6470352"/>
+          </a:xfrm>
+          <a:prstGeom prst="roundRect">
+            <a:avLst/>
+          </a:prstGeom>
+          <a:solidFill>
+            <a:srgbClr val="7A0005"/>
+          </a:solidFill>
+        </p:spPr>
+        <p:style>
+          <a:lnRef idx="2">
+            <a:schemeClr val="accent1">
+              <a:shade val="50000"/>
+            </a:schemeClr>
+          </a:lnRef>
+          <a:fillRef idx="1">
+            <a:schemeClr val="accent1"/>
+          </a:fillRef>
+          <a:effectRef idx="0">
+            <a:schemeClr val="accent1"/>
+          </a:effectRef>
+          <a:fontRef idx="minor">
+            <a:schemeClr val="lt1"/>
+          </a:fontRef>
+        </p:style>
+        <p:txBody>
+          <a:bodyPr rtlCol="0" anchor="ctr"/>
+          <a:lstStyle/>
+          <a:p>
+            <a:pPr algn="ctr"/>
+            <a:endParaRPr lang="en-US"/>
+          </a:p>
+        </p:txBody>
+      </p:sp>
+      <p:sp>
+        <p:nvSpPr>
+          <p:cNvPr id="5" name="Title 4">
+            <a:extLst>
+              <a:ext uri="{FF2B5EF4-FFF2-40B4-BE49-F238E27FC236}">
+                <a16:creationId xmlns:a16="http://schemas.microsoft.com/office/drawing/2014/main" id="{DDC4359A-7BBB-495A-96DE-65574C0C88E6}"/>
+              </a:ext>
+            </a:extLst>
+          </p:cNvPr>
+          <p:cNvSpPr>
+            <a:spLocks noGrp="1"/>
+          </p:cNvSpPr>
+          <p:nvPr>
+            <p:ph type="ctrTitle"/>
+          </p:nvPr>
+        </p:nvSpPr>
+        <p:spPr>
+          <a:xfrm>
+            <a:off x="3658962" y="436330"/>
+            <a:ext cx="5309774" cy="2243161"/>
+          </a:xfrm>
+        </p:spPr>
+        <p:txBody>
+          <a:bodyPr anchor="t">
+            <a:noAutofit/>
+          </a:bodyPr>
+          <a:lstStyle/>
+          <a:p>
+            <a:pPr algn="l">
+              <a:lnSpc>
+                <a:spcPct val="100000"/>
+              </a:lnSpc>
+            </a:pPr>
+            <a:r>
+              <a:rPr lang="en-US" sz="3200" dirty="0" smtClean="0">
+                <a:solidFill>
+                  <a:schemeClr val="bg1"/>
+                </a:solidFill>
+                <a:latin typeface="Lato Black" panose="020F0A02020204030203" pitchFamily="34" charset="0"/>
+                <a:ea typeface="Segoe UI Black" panose="020B0A02040204020203" pitchFamily="34" charset="0"/>
+                <a:cs typeface="Segoe UI" panose="020B0502040204020203" pitchFamily="34" charset="0"/>
+              </a:rPr>
+              <a:t>Even small non-detection rates </a:t>
+            </a:r>
+            <a:r>
+              <a:rPr lang="en-US" sz="3200" smtClean="0">
+                <a:solidFill>
+                  <a:schemeClr val="bg1"/>
+                </a:solidFill>
+                <a:latin typeface="Lato Black" panose="020F0A02020204030203" pitchFamily="34" charset="0"/>
+                <a:ea typeface="Segoe UI Black" panose="020B0A02040204020203" pitchFamily="34" charset="0"/>
+                <a:cs typeface="Segoe UI" panose="020B0502040204020203" pitchFamily="34" charset="0"/>
+              </a:rPr>
+              <a:t>affect power </a:t>
+            </a:r>
+            <a:r>
+              <a:rPr lang="en-US" sz="3200" dirty="0" smtClean="0">
+                <a:solidFill>
+                  <a:schemeClr val="bg1"/>
+                </a:solidFill>
+                <a:latin typeface="Lato Black" panose="020F0A02020204030203" pitchFamily="34" charset="0"/>
+                <a:ea typeface="Segoe UI Black" panose="020B0A02040204020203" pitchFamily="34" charset="0"/>
+                <a:cs typeface="Segoe UI" panose="020B0502040204020203" pitchFamily="34" charset="0"/>
+              </a:rPr>
+              <a:t>for </a:t>
+            </a:r>
+            <a:r>
+              <a:rPr lang="en-US" sz="3200" dirty="0" smtClean="0">
+                <a:solidFill>
+                  <a:schemeClr val="bg1"/>
+                </a:solidFill>
+                <a:latin typeface="Lato Black" panose="020F0A02020204030203" pitchFamily="34" charset="0"/>
+                <a:ea typeface="Segoe UI Black" panose="020B0A02040204020203" pitchFamily="34" charset="0"/>
+                <a:cs typeface="Segoe UI" panose="020B0502040204020203" pitchFamily="34" charset="0"/>
+              </a:rPr>
+              <a:t>GWAS</a:t>
+            </a:r>
+            <a:endParaRPr lang="en-US" sz="3200" dirty="0">
+              <a:solidFill>
+                <a:schemeClr val="bg1"/>
+              </a:solidFill>
+              <a:latin typeface="Lato" panose="020F0502020204030203" pitchFamily="34" charset="0"/>
+              <a:ea typeface="Roboto" panose="02000000000000000000" pitchFamily="2" charset="0"/>
+              <a:cs typeface="Segoe UI" panose="020B0502040204020203" pitchFamily="34" charset="0"/>
+            </a:endParaRPr>
+          </a:p>
+        </p:txBody>
+      </p:sp>
+      <p:sp>
+        <p:nvSpPr>
+          <p:cNvPr id="3" name="TextBox 2">
+            <a:extLst>
+              <a:ext uri="{FF2B5EF4-FFF2-40B4-BE49-F238E27FC236}">
+                <a16:creationId xmlns:a16="http://schemas.microsoft.com/office/drawing/2014/main" id="{8E35B311-3C19-412C-ADE6-EB2E4158F366}"/>
+              </a:ext>
+            </a:extLst>
+          </p:cNvPr>
+          <p:cNvSpPr txBox="1"/>
+          <p:nvPr/>
+        </p:nvSpPr>
+        <p:spPr>
+          <a:xfrm>
+            <a:off x="121664" y="1477450"/>
+            <a:ext cx="2905282" cy="5992410"/>
+          </a:xfrm>
+          <a:prstGeom prst="rect">
+            <a:avLst/>
+          </a:prstGeom>
+          <a:noFill/>
+        </p:spPr>
+        <p:txBody>
+          <a:bodyPr wrap="square" rtlCol="0">
+            <a:spAutoFit/>
+          </a:bodyPr>
+          <a:lstStyle/>
+          <a:p>
+            <a:pPr defTabSz="95235">
+              <a:lnSpc>
+                <a:spcPct val="120000"/>
+              </a:lnSpc>
+            </a:pPr>
+            <a:r>
+              <a:rPr lang="en-US" sz="1200" b="1" dirty="0">
+                <a:solidFill>
+                  <a:prstClr val="black"/>
+                </a:solidFill>
+                <a:latin typeface="Lato" panose="020F0502020204030203" pitchFamily="34" charset="0"/>
+                <a:cs typeface="Segoe UI" panose="020B0502040204020203" pitchFamily="34" charset="0"/>
+              </a:rPr>
+              <a:t>BACKGROUND: </a:t>
+            </a:r>
+            <a:r>
+              <a:rPr lang="en-US" sz="1200" b="1" dirty="0" smtClean="0">
+                <a:solidFill>
+                  <a:prstClr val="black"/>
+                </a:solidFill>
+                <a:latin typeface="Lato" panose="020F0502020204030203" pitchFamily="34" charset="0"/>
+                <a:cs typeface="Segoe UI" panose="020B0502040204020203" pitchFamily="34" charset="0"/>
+              </a:rPr>
+              <a:t> </a:t>
+            </a:r>
+            <a:r>
+              <a:rPr lang="en-US" sz="1200" dirty="0" smtClean="0">
+                <a:solidFill>
+                  <a:prstClr val="black"/>
+                </a:solidFill>
+                <a:latin typeface="Lato" panose="020F0502020204030203" pitchFamily="34" charset="0"/>
+                <a:cs typeface="Segoe UI" panose="020B0502040204020203" pitchFamily="34" charset="0"/>
+              </a:rPr>
+              <a:t>In genome-wide association studies of canine orthopedic diseases, control groups are treated “naively,” as having all unaffected controls, when in fact they are often a mixture true controls and some undetected cases, usually sub-clinical or sub-diagnostic cases. Other </a:t>
+            </a:r>
+            <a:r>
+              <a:rPr lang="en-US" sz="1200" dirty="0" smtClean="0">
+                <a:latin typeface="Lato" panose="020F0502020204030203" pitchFamily="34" charset="0"/>
+                <a:cs typeface="Segoe UI" panose="020B0502040204020203" pitchFamily="34" charset="0"/>
+              </a:rPr>
+              <a:t>studies have shown </a:t>
+            </a:r>
+            <a:r>
+              <a:rPr lang="en-US" sz="1200" dirty="0" smtClean="0">
+                <a:solidFill>
+                  <a:prstClr val="black"/>
+                </a:solidFill>
+                <a:latin typeface="Lato" panose="020F0502020204030203" pitchFamily="34" charset="0"/>
+                <a:cs typeface="Segoe UI" panose="020B0502040204020203" pitchFamily="34" charset="0"/>
+              </a:rPr>
+              <a:t>the effect of non-detection rates on bias and developed analytic fixes. </a:t>
+            </a:r>
+            <a:r>
+              <a:rPr lang="en-US" sz="1200" b="1" dirty="0" smtClean="0">
+                <a:solidFill>
+                  <a:prstClr val="black"/>
+                </a:solidFill>
+                <a:latin typeface="Lato" panose="020F0502020204030203" pitchFamily="34" charset="0"/>
+                <a:cs typeface="Segoe UI" panose="020B0502040204020203" pitchFamily="34" charset="0"/>
+              </a:rPr>
+              <a:t>This study looked at the effect of non-detection rates on power as a way to better plan orthopedic GWAS studies.</a:t>
+            </a:r>
+          </a:p>
+          <a:p>
+            <a:pPr defTabSz="95235">
+              <a:lnSpc>
+                <a:spcPct val="120000"/>
+              </a:lnSpc>
+            </a:pPr>
+            <a:endParaRPr lang="en-US" sz="1200" b="1" dirty="0">
+              <a:solidFill>
+                <a:prstClr val="black"/>
+              </a:solidFill>
+              <a:latin typeface="Lato" panose="020F0502020204030203" pitchFamily="34" charset="0"/>
+              <a:cs typeface="Segoe UI" panose="020B0502040204020203" pitchFamily="34" charset="0"/>
+            </a:endParaRPr>
+          </a:p>
+          <a:p>
+            <a:pPr defTabSz="95235">
+              <a:lnSpc>
+                <a:spcPct val="120000"/>
+              </a:lnSpc>
+            </a:pPr>
+            <a:r>
+              <a:rPr lang="en-US" sz="1200" b="1" dirty="0" smtClean="0">
+                <a:solidFill>
+                  <a:prstClr val="black"/>
+                </a:solidFill>
+                <a:latin typeface="Lato" panose="020F0502020204030203" pitchFamily="34" charset="0"/>
+                <a:cs typeface="Segoe UI" panose="020B0502040204020203" pitchFamily="34" charset="0"/>
+              </a:rPr>
+              <a:t>Results</a:t>
+            </a:r>
+            <a:endParaRPr lang="en-US" sz="1200" b="1" dirty="0">
+              <a:solidFill>
+                <a:prstClr val="black"/>
+              </a:solidFill>
+              <a:latin typeface="Lato" panose="020F0502020204030203" pitchFamily="34" charset="0"/>
+              <a:cs typeface="Segoe UI" panose="020B0502040204020203" pitchFamily="34" charset="0"/>
+            </a:endParaRPr>
+          </a:p>
+          <a:p>
+            <a:pPr marL="119043" indent="-119043" defTabSz="95235">
+              <a:lnSpc>
+                <a:spcPct val="120000"/>
+              </a:lnSpc>
+              <a:buFont typeface="Arial" panose="020B0604020202020204" pitchFamily="34" charset="0"/>
+              <a:buChar char="•"/>
+            </a:pPr>
+            <a:r>
+              <a:rPr lang="en-US" sz="1200" dirty="0" smtClean="0">
+                <a:solidFill>
+                  <a:prstClr val="black"/>
+                </a:solidFill>
+                <a:latin typeface="Lato" panose="020F0502020204030203" pitchFamily="34" charset="0"/>
+                <a:cs typeface="Segoe UI" panose="020B0502040204020203" pitchFamily="34" charset="0"/>
+              </a:rPr>
+              <a:t>Un</a:t>
+            </a:r>
+            <a:r>
+              <a:rPr lang="en-US" sz="1200" dirty="0" smtClean="0">
+                <a:solidFill>
+                  <a:prstClr val="black"/>
+                </a:solidFill>
+                <a:latin typeface="Lato" panose="020F0502020204030203" pitchFamily="34" charset="0"/>
+                <a:cs typeface="Segoe UI" panose="020B0502040204020203" pitchFamily="34" charset="0"/>
+              </a:rPr>
+              <a:t>detected positives decrease the effect size and reduce power, even for small non-detection rates.</a:t>
+            </a:r>
+            <a:endParaRPr lang="en-US" sz="1200" dirty="0">
+              <a:solidFill>
+                <a:prstClr val="black"/>
+              </a:solidFill>
+              <a:latin typeface="Lato" panose="020F0502020204030203" pitchFamily="34" charset="0"/>
+              <a:cs typeface="Segoe UI" panose="020B0502040204020203" pitchFamily="34" charset="0"/>
+            </a:endParaRPr>
+          </a:p>
+          <a:p>
+            <a:pPr marL="119043" indent="-119043" defTabSz="95235">
+              <a:lnSpc>
+                <a:spcPct val="120000"/>
+              </a:lnSpc>
+              <a:buFont typeface="Arial" panose="020B0604020202020204" pitchFamily="34" charset="0"/>
+              <a:buChar char="•"/>
+            </a:pPr>
+            <a:endParaRPr lang="en-US" sz="1200" dirty="0">
+              <a:solidFill>
+                <a:prstClr val="black"/>
+              </a:solidFill>
+              <a:latin typeface="Lato" panose="020F0502020204030203" pitchFamily="34" charset="0"/>
+              <a:cs typeface="Segoe UI" panose="020B0502040204020203" pitchFamily="34" charset="0"/>
+            </a:endParaRPr>
+          </a:p>
+          <a:p>
+            <a:pPr defTabSz="95235">
+              <a:lnSpc>
+                <a:spcPct val="120000"/>
+              </a:lnSpc>
+            </a:pPr>
+            <a:r>
+              <a:rPr lang="en-US" sz="1200" b="1" dirty="0" smtClean="0">
+                <a:solidFill>
+                  <a:prstClr val="black"/>
+                </a:solidFill>
+                <a:latin typeface="Lato" panose="020F0502020204030203" pitchFamily="34" charset="0"/>
+                <a:cs typeface="Segoe UI" panose="020B0502040204020203" pitchFamily="34" charset="0"/>
+              </a:rPr>
+              <a:t>Discussion</a:t>
+            </a:r>
+            <a:endParaRPr lang="en-US" sz="1200" b="1" dirty="0">
+              <a:solidFill>
+                <a:prstClr val="black"/>
+              </a:solidFill>
+              <a:latin typeface="Lato" panose="020F0502020204030203" pitchFamily="34" charset="0"/>
+              <a:cs typeface="Segoe UI" panose="020B0502040204020203" pitchFamily="34" charset="0"/>
+            </a:endParaRPr>
+          </a:p>
+          <a:p>
+            <a:pPr marL="119043" indent="-119043" defTabSz="95235">
+              <a:lnSpc>
+                <a:spcPct val="120000"/>
+              </a:lnSpc>
+              <a:buFont typeface="Arial" panose="020B0604020202020204" pitchFamily="34" charset="0"/>
+              <a:buChar char="•"/>
+            </a:pPr>
+            <a:r>
+              <a:rPr lang="en-US" sz="1200" dirty="0" smtClean="0">
+                <a:solidFill>
+                  <a:prstClr val="black"/>
+                </a:solidFill>
+                <a:latin typeface="Lato" panose="020F0502020204030203" pitchFamily="34" charset="0"/>
+                <a:cs typeface="Segoe UI" panose="020B0502040204020203" pitchFamily="34" charset="0"/>
+              </a:rPr>
+              <a:t>Sample size calculations should account for the non-detection rate.</a:t>
+            </a:r>
+            <a:endParaRPr lang="en-US" sz="1200" dirty="0">
+              <a:solidFill>
+                <a:prstClr val="black"/>
+              </a:solidFill>
+              <a:latin typeface="Lato" panose="020F0502020204030203" pitchFamily="34" charset="0"/>
+              <a:cs typeface="Segoe UI" panose="020B0502040204020203" pitchFamily="34" charset="0"/>
+            </a:endParaRPr>
+          </a:p>
+          <a:p>
+            <a:pPr defTabSz="95235">
+              <a:lnSpc>
+                <a:spcPct val="120000"/>
+              </a:lnSpc>
+            </a:pPr>
+            <a:endParaRPr lang="en-US" sz="750" dirty="0">
+              <a:solidFill>
+                <a:prstClr val="black"/>
+              </a:solidFill>
+              <a:latin typeface="Lato" panose="020F0502020204030203" pitchFamily="34" charset="0"/>
+              <a:cs typeface="Segoe UI" panose="020B0502040204020203" pitchFamily="34" charset="0"/>
+            </a:endParaRPr>
+          </a:p>
+          <a:p>
+            <a:pPr defTabSz="95235">
+              <a:lnSpc>
+                <a:spcPct val="120000"/>
+              </a:lnSpc>
+            </a:pPr>
+            <a:endParaRPr lang="en-US" sz="750" dirty="0">
+              <a:solidFill>
+                <a:prstClr val="black"/>
+              </a:solidFill>
+              <a:latin typeface="Lato" panose="020F0502020204030203" pitchFamily="34" charset="0"/>
+              <a:cs typeface="Segoe UI" panose="020B0502040204020203" pitchFamily="34" charset="0"/>
+            </a:endParaRPr>
+          </a:p>
+          <a:p>
+            <a:pPr defTabSz="95235">
+              <a:lnSpc>
+                <a:spcPct val="120000"/>
+              </a:lnSpc>
+            </a:pPr>
+            <a:endParaRPr lang="en-US" sz="750" dirty="0">
+              <a:solidFill>
+                <a:prstClr val="black"/>
+              </a:solidFill>
+              <a:latin typeface="Lato" panose="020F0502020204030203" pitchFamily="34" charset="0"/>
+              <a:cs typeface="Segoe UI" panose="020B0502040204020203" pitchFamily="34" charset="0"/>
+            </a:endParaRPr>
+          </a:p>
+          <a:p>
+            <a:pPr defTabSz="95235">
+              <a:lnSpc>
+                <a:spcPct val="120000"/>
+              </a:lnSpc>
+            </a:pPr>
+            <a:endParaRPr lang="en-US" sz="750" dirty="0">
+              <a:solidFill>
+                <a:prstClr val="black"/>
+              </a:solidFill>
+              <a:latin typeface="Lato" panose="020F0502020204030203" pitchFamily="34" charset="0"/>
+              <a:cs typeface="Segoe UI" panose="020B0502040204020203" pitchFamily="34" charset="0"/>
+            </a:endParaRPr>
+          </a:p>
+          <a:p>
+            <a:pPr defTabSz="95235">
+              <a:lnSpc>
+                <a:spcPct val="120000"/>
+              </a:lnSpc>
+            </a:pPr>
+            <a:endParaRPr lang="en-US" sz="750" dirty="0">
+              <a:solidFill>
+                <a:prstClr val="black"/>
+              </a:solidFill>
+              <a:latin typeface="Lato" panose="020F0502020204030203" pitchFamily="34" charset="0"/>
+              <a:cs typeface="Segoe UI" panose="020B0502040204020203" pitchFamily="34" charset="0"/>
+            </a:endParaRPr>
+          </a:p>
+          <a:p>
+            <a:pPr defTabSz="95235">
+              <a:lnSpc>
+                <a:spcPct val="120000"/>
+              </a:lnSpc>
+            </a:pPr>
+            <a:endParaRPr lang="en-US" sz="750" dirty="0">
+              <a:solidFill>
+                <a:prstClr val="black"/>
+              </a:solidFill>
+              <a:latin typeface="Lato" panose="020F0502020204030203" pitchFamily="34" charset="0"/>
+              <a:cs typeface="Segoe UI" panose="020B0502040204020203" pitchFamily="34" charset="0"/>
+            </a:endParaRPr>
+          </a:p>
+          <a:p>
+            <a:pPr defTabSz="95235">
+              <a:lnSpc>
+                <a:spcPct val="120000"/>
+              </a:lnSpc>
+            </a:pPr>
+            <a:endParaRPr lang="en-US" sz="750" dirty="0">
+              <a:solidFill>
+                <a:prstClr val="black"/>
+              </a:solidFill>
+              <a:latin typeface="Lato" panose="020F0502020204030203" pitchFamily="34" charset="0"/>
+              <a:cs typeface="Segoe UI" panose="020B0502040204020203" pitchFamily="34" charset="0"/>
+            </a:endParaRPr>
+          </a:p>
+          <a:p>
+            <a:pPr defTabSz="95235">
+              <a:lnSpc>
+                <a:spcPct val="120000"/>
+              </a:lnSpc>
+            </a:pPr>
+            <a:endParaRPr lang="en-US" sz="750" dirty="0">
+              <a:solidFill>
+                <a:prstClr val="black"/>
+              </a:solidFill>
+              <a:latin typeface="Lato" panose="020F0502020204030203" pitchFamily="34" charset="0"/>
+              <a:cs typeface="Segoe UI" panose="020B0502040204020203" pitchFamily="34" charset="0"/>
+            </a:endParaRPr>
+          </a:p>
+          <a:p>
+            <a:pPr defTabSz="95235">
+              <a:lnSpc>
+                <a:spcPct val="120000"/>
+              </a:lnSpc>
+            </a:pPr>
+            <a:endParaRPr lang="en-US" sz="750" dirty="0">
+              <a:solidFill>
+                <a:prstClr val="black"/>
+              </a:solidFill>
+              <a:latin typeface="Lato" panose="020F0502020204030203" pitchFamily="34" charset="0"/>
+              <a:cs typeface="Segoe UI" panose="020B0502040204020203" pitchFamily="34" charset="0"/>
+            </a:endParaRPr>
+          </a:p>
+        </p:txBody>
+      </p:sp>
+      <p:sp>
+        <p:nvSpPr>
+          <p:cNvPr id="9" name="Graphic 7">
+            <a:extLst>
+              <a:ext uri="{FF2B5EF4-FFF2-40B4-BE49-F238E27FC236}">
+                <a16:creationId xmlns:a16="http://schemas.microsoft.com/office/drawing/2014/main" id="{9914F9AF-0FB9-4924-8DCA-B46EEB713FE9}"/>
+              </a:ext>
+            </a:extLst>
+          </p:cNvPr>
+          <p:cNvSpPr/>
+          <p:nvPr/>
+        </p:nvSpPr>
+        <p:spPr>
+          <a:xfrm>
+            <a:off x="5393549" y="5916039"/>
+            <a:ext cx="261834" cy="452902"/>
+          </a:xfrm>
+          <a:custGeom>
+            <a:avLst/>
+            <a:gdLst>
+              <a:gd name="connsiteX0" fmla="*/ 321256 w 2089376"/>
+              <a:gd name="connsiteY0" fmla="*/ 0 h 3614056"/>
+              <a:gd name="connsiteX1" fmla="*/ 0 w 2089376"/>
+              <a:gd name="connsiteY1" fmla="*/ 321256 h 3614056"/>
+              <a:gd name="connsiteX2" fmla="*/ 0 w 2089376"/>
+              <a:gd name="connsiteY2" fmla="*/ 3292801 h 3614056"/>
+              <a:gd name="connsiteX3" fmla="*/ 321256 w 2089376"/>
+              <a:gd name="connsiteY3" fmla="*/ 3614057 h 3614056"/>
+              <a:gd name="connsiteX4" fmla="*/ 1815047 w 2089376"/>
+              <a:gd name="connsiteY4" fmla="*/ 3614057 h 3614056"/>
+              <a:gd name="connsiteX5" fmla="*/ 2136303 w 2089376"/>
+              <a:gd name="connsiteY5" fmla="*/ 3292801 h 3614056"/>
+              <a:gd name="connsiteX6" fmla="*/ 2136303 w 2089376"/>
+              <a:gd name="connsiteY6" fmla="*/ 321256 h 3614056"/>
+              <a:gd name="connsiteX7" fmla="*/ 1815047 w 2089376"/>
+              <a:gd name="connsiteY7" fmla="*/ 0 h 3614056"/>
+              <a:gd name="connsiteX8" fmla="*/ 321256 w 2089376"/>
+              <a:gd name="connsiteY8" fmla="*/ 0 h 3614056"/>
+              <a:gd name="connsiteX9" fmla="*/ 889115 w 2089376"/>
+              <a:gd name="connsiteY9" fmla="*/ 309397 h 3614056"/>
+              <a:gd name="connsiteX10" fmla="*/ 1247302 w 2089376"/>
+              <a:gd name="connsiteY10" fmla="*/ 309397 h 3614056"/>
+              <a:gd name="connsiteX11" fmla="*/ 1289936 w 2089376"/>
+              <a:gd name="connsiteY11" fmla="*/ 369650 h 3614056"/>
+              <a:gd name="connsiteX12" fmla="*/ 1247302 w 2089376"/>
+              <a:gd name="connsiteY12" fmla="*/ 429903 h 3614056"/>
+              <a:gd name="connsiteX13" fmla="*/ 889115 w 2089376"/>
+              <a:gd name="connsiteY13" fmla="*/ 429903 h 3614056"/>
+              <a:gd name="connsiteX14" fmla="*/ 846480 w 2089376"/>
+              <a:gd name="connsiteY14" fmla="*/ 369650 h 3614056"/>
+              <a:gd name="connsiteX15" fmla="*/ 889115 w 2089376"/>
+              <a:gd name="connsiteY15" fmla="*/ 309397 h 3614056"/>
+              <a:gd name="connsiteX16" fmla="*/ 176468 w 2089376"/>
+              <a:gd name="connsiteY16" fmla="*/ 738905 h 3614056"/>
+              <a:gd name="connsiteX17" fmla="*/ 1959892 w 2089376"/>
+              <a:gd name="connsiteY17" fmla="*/ 738905 h 3614056"/>
+              <a:gd name="connsiteX18" fmla="*/ 1959892 w 2089376"/>
+              <a:gd name="connsiteY18" fmla="*/ 2875208 h 3614056"/>
+              <a:gd name="connsiteX19" fmla="*/ 176468 w 2089376"/>
+              <a:gd name="connsiteY19" fmla="*/ 2875208 h 3614056"/>
+              <a:gd name="connsiteX20" fmla="*/ 176468 w 2089376"/>
+              <a:gd name="connsiteY20" fmla="*/ 738905 h 3614056"/>
+              <a:gd name="connsiteX21" fmla="*/ 1068180 w 2089376"/>
+              <a:gd name="connsiteY21" fmla="*/ 3045747 h 3614056"/>
+              <a:gd name="connsiteX22" fmla="*/ 1068180 w 2089376"/>
+              <a:gd name="connsiteY22" fmla="*/ 3045747 h 3614056"/>
+              <a:gd name="connsiteX23" fmla="*/ 1267066 w 2089376"/>
+              <a:gd name="connsiteY23" fmla="*/ 3244633 h 3614056"/>
+              <a:gd name="connsiteX24" fmla="*/ 1267066 w 2089376"/>
+              <a:gd name="connsiteY24" fmla="*/ 3244633 h 3614056"/>
+              <a:gd name="connsiteX25" fmla="*/ 1267066 w 2089376"/>
+              <a:gd name="connsiteY25" fmla="*/ 3244633 h 3614056"/>
+              <a:gd name="connsiteX26" fmla="*/ 1267066 w 2089376"/>
+              <a:gd name="connsiteY26" fmla="*/ 3244633 h 3614056"/>
+              <a:gd name="connsiteX27" fmla="*/ 1068180 w 2089376"/>
+              <a:gd name="connsiteY27" fmla="*/ 3443519 h 3614056"/>
+              <a:gd name="connsiteX28" fmla="*/ 1068180 w 2089376"/>
+              <a:gd name="connsiteY28" fmla="*/ 3443519 h 3614056"/>
+              <a:gd name="connsiteX29" fmla="*/ 1068180 w 2089376"/>
+              <a:gd name="connsiteY29" fmla="*/ 3443519 h 3614056"/>
+              <a:gd name="connsiteX30" fmla="*/ 1068180 w 2089376"/>
+              <a:gd name="connsiteY30" fmla="*/ 3443519 h 3614056"/>
+              <a:gd name="connsiteX31" fmla="*/ 869294 w 2089376"/>
+              <a:gd name="connsiteY31" fmla="*/ 3244633 h 3614056"/>
+              <a:gd name="connsiteX32" fmla="*/ 869294 w 2089376"/>
+              <a:gd name="connsiteY32" fmla="*/ 3244633 h 3614056"/>
+              <a:gd name="connsiteX33" fmla="*/ 869294 w 2089376"/>
+              <a:gd name="connsiteY33" fmla="*/ 3244633 h 3614056"/>
+              <a:gd name="connsiteX34" fmla="*/ 869294 w 2089376"/>
+              <a:gd name="connsiteY34" fmla="*/ 3244633 h 3614056"/>
+              <a:gd name="connsiteX35" fmla="*/ 1068180 w 2089376"/>
+              <a:gd name="connsiteY35" fmla="*/ 3045747 h 3614056"/>
+              <a:gd name="connsiteX36" fmla="*/ 1068180 w 2089376"/>
+              <a:gd name="connsiteY36" fmla="*/ 3045747 h 3614056"/>
+              <a:gd name="connsiteX37" fmla="*/ 1068180 w 2089376"/>
+              <a:gd name="connsiteY37" fmla="*/ 3045747 h 3614056"/>
+            </a:gdLst>
+            <a:ahLst/>
+            <a:cxnLst>
+              <a:cxn ang="0">
+                <a:pos x="connsiteX0" y="connsiteY0"/>
+              </a:cxn>
+              <a:cxn ang="0">
+                <a:pos x="connsiteX1" y="connsiteY1"/>
+              </a:cxn>
+              <a:cxn ang="0">
+                <a:pos x="connsiteX2" y="connsiteY2"/>
+              </a:cxn>
+              <a:cxn ang="0">
+                <a:pos x="connsiteX3" y="connsiteY3"/>
+              </a:cxn>
+              <a:cxn ang="0">
+                <a:pos x="connsiteX4" y="connsiteY4"/>
+              </a:cxn>
+              <a:cxn ang="0">
+                <a:pos x="connsiteX5" y="connsiteY5"/>
+              </a:cxn>
+              <a:cxn ang="0">
+                <a:pos x="connsiteX6" y="connsiteY6"/>
+              </a:cxn>
+              <a:cxn ang="0">
+                <a:pos x="connsiteX7" y="connsiteY7"/>
+              </a:cxn>
+              <a:cxn ang="0">
+                <a:pos x="connsiteX8" y="connsiteY8"/>
+              </a:cxn>
+              <a:cxn ang="0">
+                <a:pos x="connsiteX9" y="connsiteY9"/>
+              </a:cxn>
+              <a:cxn ang="0">
+                <a:pos x="connsiteX10" y="connsiteY10"/>
+              </a:cxn>
+              <a:cxn ang="0">
+                <a:pos x="connsiteX11" y="connsiteY11"/>
+              </a:cxn>
+              <a:cxn ang="0">
+                <a:pos x="connsiteX12" y="connsiteY12"/>
+              </a:cxn>
+              <a:cxn ang="0">
+                <a:pos x="connsiteX13" y="connsiteY13"/>
+              </a:cxn>
+              <a:cxn ang="0">
+                <a:pos x="connsiteX14" y="connsiteY14"/>
+              </a:cxn>
+              <a:cxn ang="0">
+                <a:pos x="connsiteX15" y="connsiteY15"/>
+              </a:cxn>
+              <a:cxn ang="0">
+                <a:pos x="connsiteX16" y="connsiteY16"/>
+              </a:cxn>
+              <a:cxn ang="0">
+                <a:pos x="connsiteX17" y="connsiteY17"/>
+              </a:cxn>
+              <a:cxn ang="0">
+                <a:pos x="connsiteX18" y="connsiteY18"/>
+              </a:cxn>
+              <a:cxn ang="0">
+                <a:pos x="connsiteX19" y="connsiteY19"/>
+              </a:cxn>
+              <a:cxn ang="0">
+                <a:pos x="connsiteX20" y="connsiteY20"/>
+              </a:cxn>
+              <a:cxn ang="0">
+                <a:pos x="connsiteX21" y="connsiteY21"/>
+              </a:cxn>
+              <a:cxn ang="0">
+                <a:pos x="connsiteX22" y="connsiteY22"/>
+              </a:cxn>
+              <a:cxn ang="0">
+                <a:pos x="connsiteX23" y="connsiteY23"/>
+              </a:cxn>
+              <a:cxn ang="0">
+                <a:pos x="connsiteX24" y="connsiteY24"/>
+              </a:cxn>
+              <a:cxn ang="0">
+                <a:pos x="connsiteX25" y="connsiteY25"/>
+              </a:cxn>
+              <a:cxn ang="0">
+                <a:pos x="connsiteX26" y="connsiteY26"/>
+              </a:cxn>
+              <a:cxn ang="0">
+                <a:pos x="connsiteX27" y="connsiteY27"/>
+              </a:cxn>
+              <a:cxn ang="0">
+                <a:pos x="connsiteX28" y="connsiteY28"/>
+              </a:cxn>
+              <a:cxn ang="0">
+                <a:pos x="connsiteX29" y="connsiteY29"/>
+              </a:cxn>
+              <a:cxn ang="0">
+                <a:pos x="connsiteX30" y="connsiteY30"/>
+              </a:cxn>
+              <a:cxn ang="0">
+                <a:pos x="connsiteX31" y="connsiteY31"/>
+              </a:cxn>
+              <a:cxn ang="0">
+                <a:pos x="connsiteX32" y="connsiteY32"/>
+              </a:cxn>
+              <a:cxn ang="0">
+                <a:pos x="connsiteX33" y="connsiteY33"/>
+              </a:cxn>
+              <a:cxn ang="0">
+                <a:pos x="connsiteX34" y="connsiteY34"/>
+              </a:cxn>
+              <a:cxn ang="0">
+                <a:pos x="connsiteX35" y="connsiteY35"/>
+              </a:cxn>
+              <a:cxn ang="0">
+                <a:pos x="connsiteX36" y="connsiteY36"/>
+              </a:cxn>
+              <a:cxn ang="0">
+                <a:pos x="connsiteX37" y="connsiteY37"/>
+              </a:cxn>
+            </a:cxnLst>
+            <a:rect l="l" t="t" r="r" b="b"/>
+            <a:pathLst>
+              <a:path w="2089376" h="3614056">
+                <a:moveTo>
+                  <a:pt x="321256" y="0"/>
+                </a:moveTo>
+                <a:cubicBezTo>
+                  <a:pt x="144562" y="0"/>
+                  <a:pt x="0" y="144562"/>
+                  <a:pt x="0" y="321256"/>
+                </a:cubicBezTo>
+                <a:lnTo>
+                  <a:pt x="0" y="3292801"/>
+                </a:lnTo>
+                <a:cubicBezTo>
+                  <a:pt x="0" y="3469495"/>
+                  <a:pt x="144562" y="3614057"/>
+                  <a:pt x="321256" y="3614057"/>
+                </a:cubicBezTo>
+                <a:lnTo>
+                  <a:pt x="1815047" y="3614057"/>
+                </a:lnTo>
+                <a:cubicBezTo>
+                  <a:pt x="1991741" y="3614057"/>
+                  <a:pt x="2136303" y="3469495"/>
+                  <a:pt x="2136303" y="3292801"/>
+                </a:cubicBezTo>
+                <a:lnTo>
+                  <a:pt x="2136303" y="321256"/>
+                </a:lnTo>
+                <a:cubicBezTo>
+                  <a:pt x="2136303" y="144562"/>
+                  <a:pt x="1991741" y="0"/>
+                  <a:pt x="1815047" y="0"/>
+                </a:cubicBezTo>
+                <a:lnTo>
+                  <a:pt x="321256" y="0"/>
+                </a:lnTo>
+                <a:close/>
+                <a:moveTo>
+                  <a:pt x="889115" y="309397"/>
+                </a:moveTo>
+                <a:lnTo>
+                  <a:pt x="1247302" y="309397"/>
+                </a:lnTo>
+                <a:cubicBezTo>
+                  <a:pt x="1270849" y="309397"/>
+                  <a:pt x="1289936" y="336390"/>
+                  <a:pt x="1289936" y="369650"/>
+                </a:cubicBezTo>
+                <a:cubicBezTo>
+                  <a:pt x="1289936" y="402911"/>
+                  <a:pt x="1270849" y="429903"/>
+                  <a:pt x="1247302" y="429903"/>
+                </a:cubicBezTo>
+                <a:lnTo>
+                  <a:pt x="889115" y="429903"/>
+                </a:lnTo>
+                <a:cubicBezTo>
+                  <a:pt x="865567" y="429903"/>
+                  <a:pt x="846480" y="402911"/>
+                  <a:pt x="846480" y="369650"/>
+                </a:cubicBezTo>
+                <a:cubicBezTo>
+                  <a:pt x="846480" y="336390"/>
+                  <a:pt x="865567" y="309397"/>
+                  <a:pt x="889115" y="309397"/>
+                </a:cubicBezTo>
+                <a:close/>
+                <a:moveTo>
+                  <a:pt x="176468" y="738905"/>
+                </a:moveTo>
+                <a:lnTo>
+                  <a:pt x="1959892" y="738905"/>
+                </a:lnTo>
+                <a:lnTo>
+                  <a:pt x="1959892" y="2875208"/>
+                </a:lnTo>
+                <a:lnTo>
+                  <a:pt x="176468" y="2875208"/>
+                </a:lnTo>
+                <a:lnTo>
+                  <a:pt x="176468" y="738905"/>
+                </a:lnTo>
+                <a:close/>
+                <a:moveTo>
+                  <a:pt x="1068180" y="3045747"/>
+                </a:moveTo>
+                <a:cubicBezTo>
+                  <a:pt x="1068180" y="3045747"/>
+                  <a:pt x="1068180" y="3045747"/>
+                  <a:pt x="1068180" y="3045747"/>
+                </a:cubicBezTo>
+                <a:cubicBezTo>
+                  <a:pt x="1178013" y="3045747"/>
+                  <a:pt x="1267066" y="3134799"/>
+                  <a:pt x="1267066" y="3244633"/>
+                </a:cubicBezTo>
+                <a:cubicBezTo>
+                  <a:pt x="1267066" y="3244633"/>
+                  <a:pt x="1267066" y="3244633"/>
+                  <a:pt x="1267066" y="3244633"/>
+                </a:cubicBezTo>
+                <a:lnTo>
+                  <a:pt x="1267066" y="3244633"/>
+                </a:lnTo>
+                <a:cubicBezTo>
+                  <a:pt x="1267066" y="3244633"/>
+                  <a:pt x="1267066" y="3244633"/>
+                  <a:pt x="1267066" y="3244633"/>
+                </a:cubicBezTo>
+                <a:cubicBezTo>
+                  <a:pt x="1267066" y="3354466"/>
+                  <a:pt x="1178013" y="3443519"/>
+                  <a:pt x="1068180" y="3443519"/>
+                </a:cubicBezTo>
+                <a:cubicBezTo>
+                  <a:pt x="1068180" y="3443519"/>
+                  <a:pt x="1068180" y="3443519"/>
+                  <a:pt x="1068180" y="3443519"/>
+                </a:cubicBezTo>
+                <a:lnTo>
+                  <a:pt x="1068180" y="3443519"/>
+                </a:lnTo>
+                <a:cubicBezTo>
+                  <a:pt x="1068180" y="3443519"/>
+                  <a:pt x="1068180" y="3443519"/>
+                  <a:pt x="1068180" y="3443519"/>
+                </a:cubicBezTo>
+                <a:cubicBezTo>
+                  <a:pt x="958346" y="3443519"/>
+                  <a:pt x="869294" y="3354466"/>
+                  <a:pt x="869294" y="3244633"/>
+                </a:cubicBezTo>
+                <a:cubicBezTo>
+                  <a:pt x="869294" y="3244633"/>
+                  <a:pt x="869294" y="3244633"/>
+                  <a:pt x="869294" y="3244633"/>
+                </a:cubicBezTo>
+                <a:lnTo>
+                  <a:pt x="869294" y="3244633"/>
+                </a:lnTo>
+                <a:cubicBezTo>
+                  <a:pt x="869294" y="3244633"/>
+                  <a:pt x="869294" y="3244633"/>
+                  <a:pt x="869294" y="3244633"/>
+                </a:cubicBezTo>
+                <a:cubicBezTo>
+                  <a:pt x="869294" y="3134799"/>
+                  <a:pt x="958346" y="3045747"/>
+                  <a:pt x="1068180" y="3045747"/>
+                </a:cubicBezTo>
+                <a:cubicBezTo>
+                  <a:pt x="1068180" y="3045747"/>
+                  <a:pt x="1068180" y="3045747"/>
+                  <a:pt x="1068180" y="3045747"/>
+                </a:cubicBezTo>
+                <a:lnTo>
+                  <a:pt x="1068180" y="3045747"/>
+                </a:lnTo>
+                <a:close/>
+              </a:path>
+            </a:pathLst>
+          </a:custGeom>
+          <a:solidFill>
+            <a:srgbClr val="CDCDCD"/>
+          </a:solidFill>
+          <a:ln w="56406" cap="flat">
+            <a:noFill/>
+            <a:prstDash val="solid"/>
+            <a:miter/>
+          </a:ln>
+        </p:spPr>
+        <p:txBody>
+          <a:bodyPr rtlCol="0" anchor="ctr"/>
+          <a:lstStyle/>
+          <a:p>
+            <a:pPr defTabSz="95235"/>
+            <a:endParaRPr lang="en-US" sz="375">
+              <a:solidFill>
+                <a:prstClr val="white">
+                  <a:lumMod val="85000"/>
+                </a:prstClr>
+              </a:solidFill>
+              <a:latin typeface="Calibri" panose="020F0502020204030204"/>
+            </a:endParaRPr>
+          </a:p>
+        </p:txBody>
+      </p:sp>
+      <p:sp>
+        <p:nvSpPr>
+          <p:cNvPr id="19" name="TextBox 18">
+            <a:extLst>
+              <a:ext uri="{FF2B5EF4-FFF2-40B4-BE49-F238E27FC236}">
+                <a16:creationId xmlns:a16="http://schemas.microsoft.com/office/drawing/2014/main" id="{315520EB-0F65-403D-A973-B17B2A4C2E9D}"/>
+              </a:ext>
+            </a:extLst>
+          </p:cNvPr>
+          <p:cNvSpPr txBox="1"/>
+          <p:nvPr/>
+        </p:nvSpPr>
+        <p:spPr>
+          <a:xfrm>
+            <a:off x="5930259" y="5866637"/>
+            <a:ext cx="2241652" cy="553998"/>
+          </a:xfrm>
+          <a:prstGeom prst="rect">
+            <a:avLst/>
+          </a:prstGeom>
+          <a:noFill/>
+        </p:spPr>
+        <p:txBody>
+          <a:bodyPr wrap="square" rtlCol="0">
+            <a:spAutoFit/>
+          </a:bodyPr>
+          <a:lstStyle/>
+          <a:p>
+            <a:pPr defTabSz="95235"/>
+            <a:r>
+              <a:rPr lang="en-US" sz="1000" dirty="0" smtClean="0">
+                <a:solidFill>
+                  <a:srgbClr val="CDCDCD"/>
+                </a:solidFill>
+                <a:latin typeface="Lato Black" panose="020F0A02020204030203" pitchFamily="34" charset="0"/>
+                <a:cs typeface="Arial" panose="020B0604020202020204" pitchFamily="34" charset="0"/>
+              </a:rPr>
+              <a:t>Use the QR code to</a:t>
+            </a:r>
+            <a:r>
+              <a:rPr lang="en-US" sz="1000" dirty="0" smtClean="0">
+                <a:solidFill>
+                  <a:srgbClr val="CDCDCD"/>
+                </a:solidFill>
+                <a:latin typeface="Lato" panose="020F0502020204030203" pitchFamily="34" charset="0"/>
+                <a:cs typeface="Arial" panose="020B0604020202020204" pitchFamily="34" charset="0"/>
+              </a:rPr>
+              <a:t> </a:t>
+            </a:r>
+            <a:r>
+              <a:rPr lang="en-US" sz="1000" dirty="0" smtClean="0">
+                <a:solidFill>
+                  <a:srgbClr val="CDCDCD"/>
+                </a:solidFill>
+                <a:latin typeface="Lato Black" panose="020F0A02020204030203" pitchFamily="34" charset="0"/>
+                <a:cs typeface="Arial" panose="020B0604020202020204" pitchFamily="34" charset="0"/>
+              </a:rPr>
+              <a:t>download</a:t>
+            </a:r>
+            <a:r>
+              <a:rPr lang="en-US" sz="1000" dirty="0" smtClean="0">
+                <a:solidFill>
+                  <a:srgbClr val="CDCDCD"/>
+                </a:solidFill>
+                <a:latin typeface="Lato" panose="020F0502020204030203" pitchFamily="34" charset="0"/>
+                <a:cs typeface="Arial" panose="020B0604020202020204" pitchFamily="34" charset="0"/>
+              </a:rPr>
+              <a:t> the</a:t>
+            </a:r>
+            <a:r>
+              <a:rPr lang="en-US" sz="1000" b="1" dirty="0">
+                <a:solidFill>
+                  <a:srgbClr val="CDCDCD"/>
+                </a:solidFill>
+                <a:latin typeface="Lato" panose="020F0502020204030203" pitchFamily="34" charset="0"/>
+                <a:cs typeface="Arial" panose="020B0604020202020204" pitchFamily="34" charset="0"/>
+              </a:rPr>
+              <a:t> </a:t>
+            </a:r>
+            <a:r>
+              <a:rPr lang="en-US" sz="1000" dirty="0" smtClean="0">
+                <a:solidFill>
+                  <a:srgbClr val="CDCDCD"/>
+                </a:solidFill>
+                <a:latin typeface="Lato Black" panose="020F0A02020204030203" pitchFamily="34" charset="0"/>
+                <a:cs typeface="Arial" panose="020B0604020202020204" pitchFamily="34" charset="0"/>
+              </a:rPr>
+              <a:t>long abstract. </a:t>
+            </a:r>
+            <a:r>
+              <a:rPr lang="en-US" sz="1000" u="sng" dirty="0" smtClean="0">
+                <a:solidFill>
+                  <a:srgbClr val="CDCDCD"/>
+                </a:solidFill>
+                <a:latin typeface="Lato Black" panose="020F0A02020204030203" pitchFamily="34" charset="0"/>
+                <a:cs typeface="Arial" panose="020B0604020202020204" pitchFamily="34" charset="0"/>
+              </a:rPr>
+              <a:t>It also considers group imbalance</a:t>
+            </a:r>
+            <a:r>
+              <a:rPr lang="en-US" sz="1000" dirty="0" smtClean="0">
+                <a:solidFill>
+                  <a:srgbClr val="CDCDCD"/>
+                </a:solidFill>
+                <a:latin typeface="Lato Black" panose="020F0A02020204030203" pitchFamily="34" charset="0"/>
+                <a:cs typeface="Arial" panose="020B0604020202020204" pitchFamily="34" charset="0"/>
+              </a:rPr>
+              <a:t> and has references.</a:t>
+            </a:r>
+            <a:endParaRPr lang="en-US" sz="1000" u="sng" dirty="0">
+              <a:solidFill>
+                <a:srgbClr val="CDCDCD"/>
+              </a:solidFill>
+              <a:latin typeface="Lato Black" panose="020F0A02020204030203" pitchFamily="34" charset="0"/>
+              <a:cs typeface="Arial" panose="020B0604020202020204" pitchFamily="34" charset="0"/>
+            </a:endParaRPr>
+          </a:p>
+        </p:txBody>
+      </p:sp>
+      <p:cxnSp>
+        <p:nvCxnSpPr>
+          <p:cNvPr id="24" name="Straight Arrow Connector 23">
+            <a:extLst>
+              <a:ext uri="{FF2B5EF4-FFF2-40B4-BE49-F238E27FC236}">
+                <a16:creationId xmlns:a16="http://schemas.microsoft.com/office/drawing/2014/main" id="{32B70FBA-A2DF-453C-9792-CA6E8DB0D343}"/>
+              </a:ext>
+            </a:extLst>
+          </p:cNvPr>
+          <p:cNvCxnSpPr>
+            <a:cxnSpLocks/>
+          </p:cNvCxnSpPr>
+          <p:nvPr/>
+        </p:nvCxnSpPr>
+        <p:spPr>
+          <a:xfrm flipH="1">
+            <a:off x="4986194" y="6142490"/>
+            <a:ext cx="270305" cy="0"/>
+          </a:xfrm>
+          <a:prstGeom prst="straightConnector1">
+            <a:avLst/>
+          </a:prstGeom>
+          <a:ln w="66675">
+            <a:solidFill>
+              <a:schemeClr val="bg1"/>
+            </a:solidFill>
+            <a:prstDash val="sysDot"/>
+            <a:tailEnd type="triangle"/>
+          </a:ln>
+        </p:spPr>
+        <p:style>
+          <a:lnRef idx="1">
+            <a:schemeClr val="accent1"/>
+          </a:lnRef>
+          <a:fillRef idx="0">
+            <a:schemeClr val="accent1"/>
+          </a:fillRef>
+          <a:effectRef idx="0">
+            <a:schemeClr val="accent1"/>
+          </a:effectRef>
+          <a:fontRef idx="minor">
+            <a:schemeClr val="tx1"/>
+          </a:fontRef>
+        </p:style>
+      </p:cxnSp>
+      <p:sp>
+        <p:nvSpPr>
+          <p:cNvPr id="20" name="Rectangle 19">
+            <a:extLst>
+              <a:ext uri="{FF2B5EF4-FFF2-40B4-BE49-F238E27FC236}">
+                <a16:creationId xmlns:a16="http://schemas.microsoft.com/office/drawing/2014/main" id="{6BA4CF46-E210-4322-91D1-2A41779F64E4}"/>
+              </a:ext>
+            </a:extLst>
+          </p:cNvPr>
+          <p:cNvSpPr/>
+          <p:nvPr/>
+        </p:nvSpPr>
+        <p:spPr>
+          <a:xfrm>
+            <a:off x="869319" y="1009353"/>
+            <a:ext cx="1296254" cy="250453"/>
+          </a:xfrm>
+          <a:prstGeom prst="rect">
+            <a:avLst/>
+          </a:prstGeom>
+        </p:spPr>
+        <p:txBody>
+          <a:bodyPr wrap="square">
+            <a:spAutoFit/>
+          </a:bodyPr>
+          <a:lstStyle/>
+          <a:p>
+            <a:pPr defTabSz="95235">
+              <a:lnSpc>
+                <a:spcPct val="120000"/>
+              </a:lnSpc>
+            </a:pPr>
+            <a:r>
+              <a:rPr lang="en-US" sz="750" dirty="0">
+                <a:solidFill>
+                  <a:prstClr val="white">
+                    <a:lumMod val="50000"/>
+                  </a:prstClr>
+                </a:solidFill>
+                <a:latin typeface="Lato" panose="020F0502020204030203" pitchFamily="34" charset="0"/>
+                <a:cs typeface="Segoe UI" panose="020B0502040204020203" pitchFamily="34" charset="0"/>
+              </a:rPr>
+              <a:t>PRESENTER:</a:t>
+            </a:r>
+            <a:r>
+              <a:rPr lang="en-US" sz="750" b="1" dirty="0">
+                <a:solidFill>
+                  <a:prstClr val="black"/>
+                </a:solidFill>
+                <a:latin typeface="Lato" panose="020F0502020204030203" pitchFamily="34" charset="0"/>
+                <a:cs typeface="Segoe UI" panose="020B0502040204020203" pitchFamily="34" charset="0"/>
+              </a:rPr>
+              <a:t> </a:t>
+            </a:r>
+            <a:r>
+              <a:rPr lang="en-US" sz="917" b="1" dirty="0" smtClean="0">
+                <a:solidFill>
+                  <a:prstClr val="black"/>
+                </a:solidFill>
+                <a:highlight>
+                  <a:srgbClr val="FFC107"/>
+                </a:highlight>
+                <a:latin typeface="Lato" panose="020F0502020204030203" pitchFamily="34" charset="0"/>
+                <a:cs typeface="Segoe UI" panose="020B0502040204020203" pitchFamily="34" charset="0"/>
+              </a:rPr>
+              <a:t>Rich Evans</a:t>
+            </a:r>
+            <a:endParaRPr lang="en-US" sz="917" b="1" dirty="0">
+              <a:solidFill>
+                <a:prstClr val="black"/>
+              </a:solidFill>
+              <a:latin typeface="Lato" panose="020F0502020204030203" pitchFamily="34" charset="0"/>
+              <a:cs typeface="Segoe UI" panose="020B0502040204020203" pitchFamily="34" charset="0"/>
+            </a:endParaRPr>
+          </a:p>
+        </p:txBody>
+      </p:sp>
+      <p:sp>
+        <p:nvSpPr>
+          <p:cNvPr id="21" name="TextBox 20">
+            <a:extLst>
+              <a:ext uri="{FF2B5EF4-FFF2-40B4-BE49-F238E27FC236}">
+                <a16:creationId xmlns:a16="http://schemas.microsoft.com/office/drawing/2014/main" id="{CAC155C6-7E35-4156-B9B3-271571AF60CC}"/>
+              </a:ext>
+            </a:extLst>
+          </p:cNvPr>
+          <p:cNvSpPr txBox="1"/>
+          <p:nvPr/>
+        </p:nvSpPr>
+        <p:spPr>
+          <a:xfrm>
+            <a:off x="121664" y="454922"/>
+            <a:ext cx="3212085" cy="584775"/>
+          </a:xfrm>
+          <a:prstGeom prst="rect">
+            <a:avLst/>
+          </a:prstGeom>
+          <a:noFill/>
+        </p:spPr>
+        <p:txBody>
+          <a:bodyPr wrap="square" rtlCol="0">
+            <a:spAutoFit/>
+          </a:bodyPr>
+          <a:lstStyle/>
+          <a:p>
+            <a:pPr defTabSz="95235"/>
+            <a:r>
+              <a:rPr lang="en-US" sz="1600" b="1" i="1" dirty="0" smtClean="0">
+                <a:solidFill>
+                  <a:prstClr val="black"/>
+                </a:solidFill>
+                <a:latin typeface="Lato" panose="020F0502020204030203" pitchFamily="34" charset="0"/>
+                <a:cs typeface="Segoe UI" panose="020B0502040204020203" pitchFamily="34" charset="0"/>
+              </a:rPr>
+              <a:t>Designing Orthopedic GWAS studies</a:t>
+            </a:r>
+            <a:r>
+              <a:rPr lang="en-US" sz="1600" i="1" dirty="0">
+                <a:solidFill>
+                  <a:prstClr val="black"/>
+                </a:solidFill>
+                <a:latin typeface="Lato" panose="020F0502020204030203" pitchFamily="34" charset="0"/>
+                <a:cs typeface="Segoe UI" panose="020B0502040204020203" pitchFamily="34" charset="0"/>
+              </a:rPr>
+              <a:t/>
+            </a:r>
+            <a:br>
+              <a:rPr lang="en-US" sz="1600" i="1" dirty="0">
+                <a:solidFill>
+                  <a:prstClr val="black"/>
+                </a:solidFill>
+                <a:latin typeface="Lato" panose="020F0502020204030203" pitchFamily="34" charset="0"/>
+                <a:cs typeface="Segoe UI" panose="020B0502040204020203" pitchFamily="34" charset="0"/>
+              </a:rPr>
+            </a:br>
+            <a:r>
+              <a:rPr lang="en-US" sz="1600" i="1" dirty="0" smtClean="0">
+                <a:solidFill>
+                  <a:prstClr val="black"/>
+                </a:solidFill>
+                <a:latin typeface="Lato" panose="020F0502020204030203" pitchFamily="34" charset="0"/>
+                <a:cs typeface="Segoe UI" panose="020B0502040204020203" pitchFamily="34" charset="0"/>
+              </a:rPr>
+              <a:t>Accounting for non-detection rates</a:t>
+            </a:r>
+            <a:endParaRPr lang="en-US" sz="1600" i="1" dirty="0">
+              <a:solidFill>
+                <a:prstClr val="black"/>
+              </a:solidFill>
+              <a:latin typeface="Lato" panose="020F0502020204030203" pitchFamily="34" charset="0"/>
+              <a:cs typeface="Segoe UI" panose="020B0502040204020203" pitchFamily="34" charset="0"/>
+            </a:endParaRPr>
+          </a:p>
+        </p:txBody>
+      </p:sp>
+      <p:sp>
+        <p:nvSpPr>
+          <p:cNvPr id="23" name="Graphic 18">
+            <a:extLst>
+              <a:ext uri="{FF2B5EF4-FFF2-40B4-BE49-F238E27FC236}">
+                <a16:creationId xmlns:a16="http://schemas.microsoft.com/office/drawing/2014/main" id="{1B355378-8069-4F41-9F33-76FF52B1D680}"/>
+              </a:ext>
+            </a:extLst>
+          </p:cNvPr>
+          <p:cNvSpPr/>
+          <p:nvPr/>
+        </p:nvSpPr>
+        <p:spPr>
+          <a:xfrm>
+            <a:off x="9418428" y="5330001"/>
+            <a:ext cx="75090" cy="69833"/>
+          </a:xfrm>
+          <a:custGeom>
+            <a:avLst/>
+            <a:gdLst>
+              <a:gd name="connsiteX0" fmla="*/ 310594 w 327663"/>
+              <a:gd name="connsiteY0" fmla="*/ 219906 h 335196"/>
+              <a:gd name="connsiteX1" fmla="*/ 246568 w 327663"/>
+              <a:gd name="connsiteY1" fmla="*/ 176217 h 335196"/>
+              <a:gd name="connsiteX2" fmla="*/ 212295 w 327663"/>
+              <a:gd name="connsiteY2" fmla="*/ 176217 h 335196"/>
+              <a:gd name="connsiteX3" fmla="*/ 165217 w 327663"/>
+              <a:gd name="connsiteY3" fmla="*/ 189022 h 335196"/>
+              <a:gd name="connsiteX4" fmla="*/ 118138 w 327663"/>
+              <a:gd name="connsiteY4" fmla="*/ 176217 h 335196"/>
+              <a:gd name="connsiteX5" fmla="*/ 83866 w 327663"/>
+              <a:gd name="connsiteY5" fmla="*/ 176217 h 335196"/>
+              <a:gd name="connsiteX6" fmla="*/ 19839 w 327663"/>
+              <a:gd name="connsiteY6" fmla="*/ 219906 h 335196"/>
+              <a:gd name="connsiteX7" fmla="*/ 1385 w 327663"/>
+              <a:gd name="connsiteY7" fmla="*/ 299750 h 335196"/>
+              <a:gd name="connsiteX8" fmla="*/ 165970 w 327663"/>
+              <a:gd name="connsiteY8" fmla="*/ 335529 h 335196"/>
+              <a:gd name="connsiteX9" fmla="*/ 329802 w 327663"/>
+              <a:gd name="connsiteY9" fmla="*/ 299750 h 335196"/>
+              <a:gd name="connsiteX10" fmla="*/ 310594 w 327663"/>
+              <a:gd name="connsiteY10" fmla="*/ 219906 h 335196"/>
+              <a:gd name="connsiteX11" fmla="*/ 165593 w 327663"/>
+              <a:gd name="connsiteY11" fmla="*/ 154749 h 335196"/>
+              <a:gd name="connsiteX12" fmla="*/ 242425 w 327663"/>
+              <a:gd name="connsiteY12" fmla="*/ 77918 h 335196"/>
+              <a:gd name="connsiteX13" fmla="*/ 165593 w 327663"/>
+              <a:gd name="connsiteY13" fmla="*/ 1086 h 335196"/>
+              <a:gd name="connsiteX14" fmla="*/ 88762 w 327663"/>
+              <a:gd name="connsiteY14" fmla="*/ 77918 h 335196"/>
+              <a:gd name="connsiteX15" fmla="*/ 165593 w 327663"/>
+              <a:gd name="connsiteY15" fmla="*/ 154749 h 335196"/>
+            </a:gdLst>
+            <a:ahLst/>
+            <a:cxnLst>
+              <a:cxn ang="0">
+                <a:pos x="connsiteX0" y="connsiteY0"/>
+              </a:cxn>
+              <a:cxn ang="0">
+                <a:pos x="connsiteX1" y="connsiteY1"/>
+              </a:cxn>
+              <a:cxn ang="0">
+                <a:pos x="connsiteX2" y="connsiteY2"/>
+              </a:cxn>
+              <a:cxn ang="0">
+                <a:pos x="connsiteX3" y="connsiteY3"/>
+              </a:cxn>
+              <a:cxn ang="0">
+                <a:pos x="connsiteX4" y="connsiteY4"/>
+              </a:cxn>
+              <a:cxn ang="0">
+                <a:pos x="connsiteX5" y="connsiteY5"/>
+              </a:cxn>
+              <a:cxn ang="0">
+                <a:pos x="connsiteX6" y="connsiteY6"/>
+              </a:cxn>
+              <a:cxn ang="0">
+                <a:pos x="connsiteX7" y="connsiteY7"/>
+              </a:cxn>
+              <a:cxn ang="0">
+                <a:pos x="connsiteX8" y="connsiteY8"/>
+              </a:cxn>
+              <a:cxn ang="0">
+                <a:pos x="connsiteX9" y="connsiteY9"/>
+              </a:cxn>
+              <a:cxn ang="0">
+                <a:pos x="connsiteX10" y="connsiteY10"/>
+              </a:cxn>
+              <a:cxn ang="0">
+                <a:pos x="connsiteX11" y="connsiteY11"/>
+              </a:cxn>
+              <a:cxn ang="0">
+                <a:pos x="connsiteX12" y="connsiteY12"/>
+              </a:cxn>
+              <a:cxn ang="0">
+                <a:pos x="connsiteX13" y="connsiteY13"/>
+              </a:cxn>
+              <a:cxn ang="0">
+                <a:pos x="connsiteX14" y="connsiteY14"/>
+              </a:cxn>
+              <a:cxn ang="0">
+                <a:pos x="connsiteX15" y="connsiteY15"/>
+              </a:cxn>
+            </a:cxnLst>
+            <a:rect l="l" t="t" r="r" b="b"/>
+            <a:pathLst>
+              <a:path w="327663" h="335196">
+                <a:moveTo>
+                  <a:pt x="310594" y="219906"/>
+                </a:moveTo>
+                <a:cubicBezTo>
+                  <a:pt x="287243" y="179983"/>
+                  <a:pt x="246568" y="176217"/>
+                  <a:pt x="246568" y="176217"/>
+                </a:cubicBezTo>
+                <a:lnTo>
+                  <a:pt x="212295" y="176217"/>
+                </a:lnTo>
+                <a:cubicBezTo>
+                  <a:pt x="198360" y="184126"/>
+                  <a:pt x="182541" y="189022"/>
+                  <a:pt x="165217" y="189022"/>
+                </a:cubicBezTo>
+                <a:cubicBezTo>
+                  <a:pt x="147892" y="189022"/>
+                  <a:pt x="132074" y="184503"/>
+                  <a:pt x="118138" y="176217"/>
+                </a:cubicBezTo>
+                <a:lnTo>
+                  <a:pt x="83866" y="176217"/>
+                </a:lnTo>
+                <a:cubicBezTo>
+                  <a:pt x="83866" y="176217"/>
+                  <a:pt x="43190" y="179983"/>
+                  <a:pt x="19839" y="219906"/>
+                </a:cubicBezTo>
+                <a:cubicBezTo>
+                  <a:pt x="-2758" y="259828"/>
+                  <a:pt x="1385" y="299750"/>
+                  <a:pt x="1385" y="299750"/>
+                </a:cubicBezTo>
+                <a:cubicBezTo>
+                  <a:pt x="1385" y="299750"/>
+                  <a:pt x="37164" y="335529"/>
+                  <a:pt x="165970" y="335529"/>
+                </a:cubicBezTo>
+                <a:cubicBezTo>
+                  <a:pt x="294776" y="335529"/>
+                  <a:pt x="329802" y="299750"/>
+                  <a:pt x="329802" y="299750"/>
+                </a:cubicBezTo>
+                <a:cubicBezTo>
+                  <a:pt x="329802" y="299750"/>
+                  <a:pt x="333945" y="259828"/>
+                  <a:pt x="310594" y="219906"/>
+                </a:cubicBezTo>
+                <a:close/>
+                <a:moveTo>
+                  <a:pt x="165593" y="154749"/>
+                </a:moveTo>
+                <a:cubicBezTo>
+                  <a:pt x="208152" y="154749"/>
+                  <a:pt x="242425" y="120477"/>
+                  <a:pt x="242425" y="77918"/>
+                </a:cubicBezTo>
+                <a:cubicBezTo>
+                  <a:pt x="242425" y="35359"/>
+                  <a:pt x="208152" y="1086"/>
+                  <a:pt x="165593" y="1086"/>
+                </a:cubicBezTo>
+                <a:cubicBezTo>
+                  <a:pt x="123035" y="1086"/>
+                  <a:pt x="88762" y="35736"/>
+                  <a:pt x="88762" y="77918"/>
+                </a:cubicBezTo>
+                <a:cubicBezTo>
+                  <a:pt x="88762" y="120477"/>
+                  <a:pt x="123035" y="154749"/>
+                  <a:pt x="165593" y="154749"/>
+                </a:cubicBezTo>
+                <a:close/>
+              </a:path>
+            </a:pathLst>
+          </a:custGeom>
+          <a:solidFill>
+            <a:schemeClr val="tx1">
+              <a:lumMod val="50000"/>
+              <a:lumOff val="50000"/>
+            </a:schemeClr>
+          </a:solidFill>
+          <a:ln w="3663" cap="flat">
+            <a:noFill/>
+            <a:prstDash val="solid"/>
+            <a:miter/>
+          </a:ln>
+        </p:spPr>
+        <p:txBody>
+          <a:bodyPr rtlCol="0" anchor="ctr"/>
+          <a:lstStyle/>
+          <a:p>
+            <a:pPr defTabSz="95235"/>
+            <a:endParaRPr lang="en-US" sz="375">
+              <a:solidFill>
+                <a:prstClr val="black"/>
+              </a:solidFill>
+              <a:latin typeface="Calibri" panose="020F0502020204030204"/>
+            </a:endParaRPr>
+          </a:p>
+        </p:txBody>
+      </p:sp>
+      <p:grpSp>
+        <p:nvGrpSpPr>
+          <p:cNvPr id="7" name="Group 6"/>
+          <p:cNvGrpSpPr/>
+          <p:nvPr/>
+        </p:nvGrpSpPr>
+        <p:grpSpPr>
+          <a:xfrm>
+            <a:off x="9922220" y="304881"/>
+            <a:ext cx="1972804" cy="2974026"/>
+            <a:chOff x="9283866" y="662231"/>
+            <a:chExt cx="1972804" cy="2974026"/>
+          </a:xfrm>
+        </p:grpSpPr>
+        <p:pic>
+          <p:nvPicPr>
+            <p:cNvPr id="2" name="Picture 1"/>
+            <p:cNvPicPr>
+              <a:picLocks noChangeAspect="1"/>
+            </p:cNvPicPr>
+            <p:nvPr/>
+          </p:nvPicPr>
+          <p:blipFill>
+            <a:blip r:embed="rId3" cstate="print">
+              <a:extLst>
+                <a:ext uri="{28A0092B-C50C-407E-A947-70E740481C1C}">
+                  <a14:useLocalDpi xmlns:a14="http://schemas.microsoft.com/office/drawing/2010/main" val="0"/>
+                </a:ext>
+              </a:extLst>
+            </a:blip>
+            <a:stretch>
+              <a:fillRect/>
+            </a:stretch>
+          </p:blipFill>
+          <p:spPr>
+            <a:xfrm>
+              <a:off x="9283866" y="1012605"/>
+              <a:ext cx="1893650" cy="1262433"/>
+            </a:xfrm>
+            <a:prstGeom prst="rect">
+              <a:avLst/>
+            </a:prstGeom>
+          </p:spPr>
+        </p:pic>
+        <p:sp>
+          <p:nvSpPr>
+            <p:cNvPr id="6" name="TextBox 5"/>
+            <p:cNvSpPr txBox="1"/>
+            <p:nvPr/>
+          </p:nvSpPr>
+          <p:spPr>
+            <a:xfrm>
+              <a:off x="9571784" y="662231"/>
+              <a:ext cx="1412310" cy="369332"/>
+            </a:xfrm>
+            <a:prstGeom prst="rect">
+              <a:avLst/>
+            </a:prstGeom>
+            <a:noFill/>
+          </p:spPr>
+          <p:txBody>
+            <a:bodyPr wrap="none" rtlCol="0">
+              <a:spAutoFit/>
+            </a:bodyPr>
+            <a:lstStyle/>
+            <a:p>
+              <a:r>
+                <a:rPr lang="en-US" dirty="0" smtClean="0"/>
+                <a:t>GWAS model</a:t>
+              </a:r>
+              <a:endParaRPr lang="en-US" dirty="0"/>
+            </a:p>
+          </p:txBody>
+        </p:sp>
+        <p:sp>
+          <p:nvSpPr>
+            <p:cNvPr id="8" name="TextBox 7"/>
+            <p:cNvSpPr txBox="1"/>
+            <p:nvPr/>
+          </p:nvSpPr>
+          <p:spPr>
+            <a:xfrm>
+              <a:off x="9364149" y="1091820"/>
+              <a:ext cx="633637" cy="400110"/>
+            </a:xfrm>
+            <a:prstGeom prst="rect">
+              <a:avLst/>
+            </a:prstGeom>
+            <a:noFill/>
+          </p:spPr>
+          <p:txBody>
+            <a:bodyPr wrap="square" rtlCol="0">
+              <a:spAutoFit/>
+            </a:bodyPr>
+            <a:lstStyle/>
+            <a:p>
+              <a:r>
+                <a:rPr lang="en-US" sz="1000" dirty="0" smtClean="0"/>
+                <a:t>Naïve control</a:t>
+              </a:r>
+              <a:endParaRPr lang="en-US" sz="1000" dirty="0"/>
+            </a:p>
+          </p:txBody>
+        </p:sp>
+        <p:sp>
+          <p:nvSpPr>
+            <p:cNvPr id="25" name="TextBox 24"/>
+            <p:cNvSpPr txBox="1"/>
+            <p:nvPr/>
+          </p:nvSpPr>
+          <p:spPr>
+            <a:xfrm>
+              <a:off x="10623033" y="1091820"/>
+              <a:ext cx="633637" cy="400110"/>
+            </a:xfrm>
+            <a:prstGeom prst="rect">
+              <a:avLst/>
+            </a:prstGeom>
+            <a:noFill/>
+          </p:spPr>
+          <p:txBody>
+            <a:bodyPr wrap="square" rtlCol="0">
+              <a:spAutoFit/>
+            </a:bodyPr>
+            <a:lstStyle/>
+            <a:p>
+              <a:r>
+                <a:rPr lang="en-US" sz="1000" dirty="0" smtClean="0"/>
+                <a:t>Positive group</a:t>
+              </a:r>
+              <a:endParaRPr lang="en-US" sz="1000" dirty="0"/>
+            </a:p>
+          </p:txBody>
+        </p:sp>
+        <p:sp>
+          <p:nvSpPr>
+            <p:cNvPr id="11" name="Right Brace 10"/>
+            <p:cNvSpPr/>
+            <p:nvPr/>
+          </p:nvSpPr>
+          <p:spPr>
+            <a:xfrm rot="5400000">
+              <a:off x="10231578" y="2768078"/>
+              <a:ext cx="249698" cy="453445"/>
+            </a:xfrm>
+            <a:prstGeom prst="rightBrace">
+              <a:avLst/>
+            </a:prstGeom>
+          </p:spPr>
+          <p:style>
+            <a:lnRef idx="1">
+              <a:schemeClr val="accent1"/>
+            </a:lnRef>
+            <a:fillRef idx="0">
+              <a:schemeClr val="accent1"/>
+            </a:fillRef>
+            <a:effectRef idx="0">
+              <a:schemeClr val="accent1"/>
+            </a:effectRef>
+            <a:fontRef idx="minor">
+              <a:schemeClr val="tx1"/>
+            </a:fontRef>
+          </p:style>
+          <p:txBody>
+            <a:bodyPr rtlCol="0" anchor="ctr"/>
+            <a:lstStyle/>
+            <a:p>
+              <a:pPr algn="ctr"/>
+              <a:endParaRPr lang="en-US"/>
+            </a:p>
+          </p:txBody>
+        </p:sp>
+        <p:sp>
+          <p:nvSpPr>
+            <p:cNvPr id="15" name="Right Brace 14"/>
+            <p:cNvSpPr/>
+            <p:nvPr/>
+          </p:nvSpPr>
+          <p:spPr>
+            <a:xfrm rot="5400000">
+              <a:off x="10079639" y="2159088"/>
+              <a:ext cx="290116" cy="642532"/>
+            </a:xfrm>
+            <a:prstGeom prst="rightBrace">
+              <a:avLst/>
+            </a:prstGeom>
+          </p:spPr>
+          <p:style>
+            <a:lnRef idx="1">
+              <a:schemeClr val="accent1"/>
+            </a:lnRef>
+            <a:fillRef idx="0">
+              <a:schemeClr val="accent1"/>
+            </a:fillRef>
+            <a:effectRef idx="0">
+              <a:schemeClr val="accent1"/>
+            </a:effectRef>
+            <a:fontRef idx="minor">
+              <a:schemeClr val="tx1"/>
+            </a:fontRef>
+          </p:style>
+          <p:txBody>
+            <a:bodyPr rtlCol="0" anchor="ctr"/>
+            <a:lstStyle/>
+            <a:p>
+              <a:pPr algn="ctr"/>
+              <a:endParaRPr lang="en-US"/>
+            </a:p>
+          </p:txBody>
+        </p:sp>
+        <p:sp>
+          <p:nvSpPr>
+            <p:cNvPr id="27" name="TextBox 26"/>
+            <p:cNvSpPr txBox="1"/>
+            <p:nvPr/>
+          </p:nvSpPr>
+          <p:spPr>
+            <a:xfrm>
+              <a:off x="9550807" y="2479436"/>
+              <a:ext cx="1149522" cy="553998"/>
+            </a:xfrm>
+            <a:prstGeom prst="rect">
+              <a:avLst/>
+            </a:prstGeom>
+            <a:noFill/>
+          </p:spPr>
+          <p:txBody>
+            <a:bodyPr wrap="square" rtlCol="0">
+              <a:spAutoFit/>
+            </a:bodyPr>
+            <a:lstStyle/>
+            <a:p>
+              <a:r>
+                <a:rPr lang="en-US" sz="1000" dirty="0" smtClean="0"/>
+                <a:t>Assumed difference in means</a:t>
+              </a:r>
+              <a:endParaRPr lang="en-US" sz="1000" dirty="0"/>
+            </a:p>
+          </p:txBody>
+        </p:sp>
+        <p:sp>
+          <p:nvSpPr>
+            <p:cNvPr id="28" name="TextBox 27"/>
+            <p:cNvSpPr txBox="1"/>
+            <p:nvPr/>
+          </p:nvSpPr>
+          <p:spPr>
+            <a:xfrm>
+              <a:off x="10356427" y="3082259"/>
+              <a:ext cx="864276" cy="553998"/>
+            </a:xfrm>
+            <a:prstGeom prst="rect">
+              <a:avLst/>
+            </a:prstGeom>
+            <a:noFill/>
+          </p:spPr>
+          <p:txBody>
+            <a:bodyPr wrap="square" rtlCol="0">
+              <a:spAutoFit/>
+            </a:bodyPr>
+            <a:lstStyle/>
+            <a:p>
+              <a:r>
+                <a:rPr lang="en-US" sz="1000" dirty="0" smtClean="0"/>
+                <a:t>Actual difference in means</a:t>
+              </a:r>
+              <a:endParaRPr lang="en-US" sz="1000" dirty="0"/>
+            </a:p>
+          </p:txBody>
+        </p:sp>
+      </p:grpSp>
+      <p:pic>
+        <p:nvPicPr>
+          <p:cNvPr id="29" name="Picture 28"/>
+          <p:cNvPicPr>
+            <a:picLocks noChangeAspect="1"/>
+          </p:cNvPicPr>
+          <p:nvPr/>
+        </p:nvPicPr>
+        <p:blipFill>
+          <a:blip r:embed="rId4"/>
+          <a:stretch>
+            <a:fillRect/>
+          </a:stretch>
+        </p:blipFill>
+        <p:spPr>
+          <a:xfrm>
+            <a:off x="10356427" y="5866637"/>
+            <a:ext cx="1073794" cy="406867"/>
+          </a:xfrm>
+          <a:prstGeom prst="rect">
+            <a:avLst/>
+          </a:prstGeom>
+        </p:spPr>
+      </p:pic>
+      <p:pic>
+        <p:nvPicPr>
+          <p:cNvPr id="30" name="Picture 29"/>
+          <p:cNvPicPr>
+            <a:picLocks noChangeAspect="1"/>
+          </p:cNvPicPr>
+          <p:nvPr/>
+        </p:nvPicPr>
+        <p:blipFill>
+          <a:blip r:embed="rId5" cstate="print">
+            <a:extLst>
+              <a:ext uri="{28A0092B-C50C-407E-A947-70E740481C1C}">
+                <a14:useLocalDpi xmlns:a14="http://schemas.microsoft.com/office/drawing/2010/main" val="0"/>
+              </a:ext>
+            </a:extLst>
+          </a:blip>
+          <a:stretch>
+            <a:fillRect/>
+          </a:stretch>
+        </p:blipFill>
+        <p:spPr>
+          <a:xfrm>
+            <a:off x="3712105" y="1837781"/>
+            <a:ext cx="5160536" cy="3224284"/>
+          </a:xfrm>
+          <a:prstGeom prst="rect">
+            <a:avLst/>
+          </a:prstGeom>
+        </p:spPr>
+      </p:pic>
+      <p:sp>
+        <p:nvSpPr>
+          <p:cNvPr id="13" name="Rectangle 12"/>
+          <p:cNvSpPr/>
+          <p:nvPr/>
+        </p:nvSpPr>
+        <p:spPr>
+          <a:xfrm>
+            <a:off x="9922220" y="3451873"/>
+            <a:ext cx="1522030" cy="1920526"/>
+          </a:xfrm>
+          <a:prstGeom prst="rect">
+            <a:avLst/>
+          </a:prstGeom>
+        </p:spPr>
+        <p:txBody>
+          <a:bodyPr wrap="square">
+            <a:spAutoFit/>
+          </a:bodyPr>
+          <a:lstStyle/>
+          <a:p>
+            <a:pPr defTabSz="95235">
+              <a:lnSpc>
+                <a:spcPct val="120000"/>
+              </a:lnSpc>
+            </a:pPr>
+            <a:r>
+              <a:rPr lang="en-US" sz="900" b="1" dirty="0" smtClean="0">
+                <a:solidFill>
+                  <a:srgbClr val="8C1616"/>
+                </a:solidFill>
+                <a:latin typeface="Lato" panose="020F0502020204030203" pitchFamily="34" charset="0"/>
+                <a:cs typeface="Segoe UI" panose="020B0502040204020203" pitchFamily="34" charset="0"/>
+              </a:rPr>
+              <a:t>Simulation method</a:t>
+            </a:r>
+            <a:endParaRPr lang="en-US" sz="900" b="1" dirty="0">
+              <a:solidFill>
+                <a:srgbClr val="8C1616"/>
+              </a:solidFill>
+              <a:latin typeface="Lato" panose="020F0502020204030203" pitchFamily="34" charset="0"/>
+              <a:cs typeface="Segoe UI" panose="020B0502040204020203" pitchFamily="34" charset="0"/>
+            </a:endParaRPr>
+          </a:p>
+          <a:p>
+            <a:pPr marL="154756" indent="-154756" defTabSz="95235">
+              <a:lnSpc>
+                <a:spcPct val="120000"/>
+              </a:lnSpc>
+              <a:buFont typeface="+mj-lt"/>
+              <a:buAutoNum type="arabicPeriod"/>
+            </a:pPr>
+            <a:r>
+              <a:rPr lang="en-US" sz="900" dirty="0" smtClean="0">
+                <a:solidFill>
+                  <a:prstClr val="black"/>
+                </a:solidFill>
+                <a:latin typeface="Lato" panose="020F0502020204030203" pitchFamily="34" charset="0"/>
+                <a:cs typeface="Segoe UI" panose="020B0502040204020203" pitchFamily="34" charset="0"/>
+              </a:rPr>
+              <a:t>N=100 </a:t>
+            </a:r>
+            <a:r>
+              <a:rPr lang="en-US" sz="900" dirty="0">
+                <a:solidFill>
+                  <a:prstClr val="black"/>
+                </a:solidFill>
+                <a:latin typeface="Lato" panose="020F0502020204030203" pitchFamily="34" charset="0"/>
+                <a:cs typeface="Segoe UI" panose="020B0502040204020203" pitchFamily="34" charset="0"/>
+              </a:rPr>
+              <a:t>per group</a:t>
+            </a:r>
+          </a:p>
+          <a:p>
+            <a:pPr marL="154756" indent="-154756" defTabSz="95235">
+              <a:lnSpc>
+                <a:spcPct val="120000"/>
+              </a:lnSpc>
+              <a:buFont typeface="+mj-lt"/>
+              <a:buAutoNum type="arabicPeriod"/>
+            </a:pPr>
+            <a:r>
+              <a:rPr lang="en-US" sz="900" dirty="0">
+                <a:solidFill>
+                  <a:prstClr val="black"/>
+                </a:solidFill>
+                <a:latin typeface="Lato" panose="020F0502020204030203" pitchFamily="34" charset="0"/>
+                <a:cs typeface="Segoe UI" panose="020B0502040204020203" pitchFamily="34" charset="0"/>
+              </a:rPr>
+              <a:t>Effect size = 0.5</a:t>
+            </a:r>
+          </a:p>
+          <a:p>
+            <a:pPr marL="154756" indent="-154756" defTabSz="95235">
+              <a:lnSpc>
+                <a:spcPct val="120000"/>
+              </a:lnSpc>
+              <a:buFont typeface="+mj-lt"/>
+              <a:buAutoNum type="arabicPeriod"/>
+            </a:pPr>
+            <a:r>
+              <a:rPr lang="en-US" sz="900" dirty="0">
+                <a:solidFill>
+                  <a:prstClr val="black"/>
+                </a:solidFill>
+                <a:latin typeface="Lato" panose="020F0502020204030203" pitchFamily="34" charset="0"/>
+                <a:cs typeface="Segoe UI" panose="020B0502040204020203" pitchFamily="34" charset="0"/>
+              </a:rPr>
+              <a:t>Sampled 100 positive cases from a Gaussian</a:t>
+            </a:r>
+          </a:p>
+          <a:p>
+            <a:pPr marL="154756" indent="-154756" defTabSz="95235">
+              <a:lnSpc>
+                <a:spcPct val="120000"/>
+              </a:lnSpc>
+              <a:buFont typeface="+mj-lt"/>
+              <a:buAutoNum type="arabicPeriod"/>
+            </a:pPr>
+            <a:r>
+              <a:rPr lang="en-US" sz="900" dirty="0">
+                <a:solidFill>
+                  <a:prstClr val="black"/>
+                </a:solidFill>
+                <a:latin typeface="Lato" panose="020F0502020204030203" pitchFamily="34" charset="0"/>
+                <a:cs typeface="Segoe UI" panose="020B0502040204020203" pitchFamily="34" charset="0"/>
+              </a:rPr>
+              <a:t>Sampled 100 unlabeled controls from a Gaussian mixture, varying the percent of non-detected </a:t>
+            </a:r>
+            <a:r>
+              <a:rPr lang="en-US" sz="900" dirty="0" smtClean="0">
+                <a:solidFill>
+                  <a:prstClr val="black"/>
+                </a:solidFill>
+                <a:latin typeface="Lato" panose="020F0502020204030203" pitchFamily="34" charset="0"/>
+                <a:cs typeface="Segoe UI" panose="020B0502040204020203" pitchFamily="34" charset="0"/>
+              </a:rPr>
+              <a:t>affected group</a:t>
+            </a:r>
+            <a:endParaRPr lang="en-US" dirty="0">
+              <a:solidFill>
+                <a:prstClr val="black"/>
+              </a:solidFill>
+              <a:latin typeface="Lato" panose="020F0502020204030203" pitchFamily="34" charset="0"/>
+              <a:cs typeface="Segoe UI" panose="020B0502040204020203" pitchFamily="34" charset="0"/>
+            </a:endParaRPr>
+          </a:p>
+          <a:p>
+            <a:pPr marL="154756" indent="-154756" defTabSz="95235">
+              <a:lnSpc>
+                <a:spcPct val="120000"/>
+              </a:lnSpc>
+              <a:buFont typeface="+mj-lt"/>
+              <a:buAutoNum type="arabicPeriod"/>
+            </a:pPr>
+            <a:r>
+              <a:rPr lang="en-US" sz="900" dirty="0" smtClean="0">
+                <a:solidFill>
+                  <a:prstClr val="black"/>
+                </a:solidFill>
+                <a:latin typeface="Lato" panose="020F0502020204030203" pitchFamily="34" charset="0"/>
+                <a:cs typeface="Segoe UI" panose="020B0502040204020203" pitchFamily="34" charset="0"/>
+              </a:rPr>
+              <a:t>Power from Welsh’s test</a:t>
+            </a:r>
+          </a:p>
+        </p:txBody>
+      </p:sp>
+    </p:spTree>
+    <p:extLst>
+      <p:ext uri="{BB962C8B-B14F-4D97-AF65-F5344CB8AC3E}">
+        <p14:creationId xmlns:p14="http://schemas.microsoft.com/office/powerpoint/2010/main" val="3871231046"/>
       </p:ext>
     </p:extLst>
   </p:cSld>

--- a/jsm2023.pptx
+++ b/jsm2023.pptx
@@ -199,7 +199,7 @@
           <a:p>
             <a:fld id="{3BD805B9-2ECF-43F2-B31B-897870BD292D}" type="datetimeFigureOut">
               <a:rPr lang="en-US" smtClean="0"/>
-              <a:t>5/22/2023</a:t>
+              <a:t>5/26/2023</a:t>
             </a:fld>
             <a:endParaRPr lang="en-US"/>
           </a:p>
@@ -1282,7 +1282,7 @@
           <a:p>
             <a:fld id="{3F135061-2F74-46D4-9F8F-C77EF304855D}" type="datetimeFigureOut">
               <a:rPr lang="en-US" smtClean="0"/>
-              <a:t>5/22/2023</a:t>
+              <a:t>5/26/2023</a:t>
             </a:fld>
             <a:endParaRPr lang="en-US"/>
           </a:p>
@@ -1452,7 +1452,7 @@
           <a:p>
             <a:fld id="{3F135061-2F74-46D4-9F8F-C77EF304855D}" type="datetimeFigureOut">
               <a:rPr lang="en-US" smtClean="0"/>
-              <a:t>5/22/2023</a:t>
+              <a:t>5/26/2023</a:t>
             </a:fld>
             <a:endParaRPr lang="en-US"/>
           </a:p>
@@ -1632,7 +1632,7 @@
           <a:p>
             <a:fld id="{3F135061-2F74-46D4-9F8F-C77EF304855D}" type="datetimeFigureOut">
               <a:rPr lang="en-US" smtClean="0"/>
-              <a:t>5/22/2023</a:t>
+              <a:t>5/26/2023</a:t>
             </a:fld>
             <a:endParaRPr lang="en-US"/>
           </a:p>
@@ -1802,7 +1802,7 @@
           <a:p>
             <a:fld id="{3F135061-2F74-46D4-9F8F-C77EF304855D}" type="datetimeFigureOut">
               <a:rPr lang="en-US" smtClean="0"/>
-              <a:t>5/22/2023</a:t>
+              <a:t>5/26/2023</a:t>
             </a:fld>
             <a:endParaRPr lang="en-US"/>
           </a:p>
@@ -2046,7 +2046,7 @@
           <a:p>
             <a:fld id="{3F135061-2F74-46D4-9F8F-C77EF304855D}" type="datetimeFigureOut">
               <a:rPr lang="en-US" smtClean="0"/>
-              <a:t>5/22/2023</a:t>
+              <a:t>5/26/2023</a:t>
             </a:fld>
             <a:endParaRPr lang="en-US"/>
           </a:p>
@@ -2278,7 +2278,7 @@
           <a:p>
             <a:fld id="{3F135061-2F74-46D4-9F8F-C77EF304855D}" type="datetimeFigureOut">
               <a:rPr lang="en-US" smtClean="0"/>
-              <a:t>5/22/2023</a:t>
+              <a:t>5/26/2023</a:t>
             </a:fld>
             <a:endParaRPr lang="en-US"/>
           </a:p>
@@ -2645,7 +2645,7 @@
           <a:p>
             <a:fld id="{3F135061-2F74-46D4-9F8F-C77EF304855D}" type="datetimeFigureOut">
               <a:rPr lang="en-US" smtClean="0"/>
-              <a:t>5/22/2023</a:t>
+              <a:t>5/26/2023</a:t>
             </a:fld>
             <a:endParaRPr lang="en-US"/>
           </a:p>
@@ -2763,7 +2763,7 @@
           <a:p>
             <a:fld id="{3F135061-2F74-46D4-9F8F-C77EF304855D}" type="datetimeFigureOut">
               <a:rPr lang="en-US" smtClean="0"/>
-              <a:t>5/22/2023</a:t>
+              <a:t>5/26/2023</a:t>
             </a:fld>
             <a:endParaRPr lang="en-US"/>
           </a:p>
@@ -2858,7 +2858,7 @@
           <a:p>
             <a:fld id="{3F135061-2F74-46D4-9F8F-C77EF304855D}" type="datetimeFigureOut">
               <a:rPr lang="en-US" smtClean="0"/>
-              <a:t>5/22/2023</a:t>
+              <a:t>5/26/2023</a:t>
             </a:fld>
             <a:endParaRPr lang="en-US"/>
           </a:p>
@@ -3135,7 +3135,7 @@
           <a:p>
             <a:fld id="{3F135061-2F74-46D4-9F8F-C77EF304855D}" type="datetimeFigureOut">
               <a:rPr lang="en-US" smtClean="0"/>
-              <a:t>5/22/2023</a:t>
+              <a:t>5/26/2023</a:t>
             </a:fld>
             <a:endParaRPr lang="en-US"/>
           </a:p>
@@ -3392,7 +3392,7 @@
           <a:p>
             <a:fld id="{3F135061-2F74-46D4-9F8F-C77EF304855D}" type="datetimeFigureOut">
               <a:rPr lang="en-US" smtClean="0"/>
-              <a:t>5/22/2023</a:t>
+              <a:t>5/26/2023</a:t>
             </a:fld>
             <a:endParaRPr lang="en-US"/>
           </a:p>
@@ -3608,7 +3608,7 @@
           <a:p>
             <a:fld id="{3F135061-2F74-46D4-9F8F-C77EF304855D}" type="datetimeFigureOut">
               <a:rPr lang="en-US" smtClean="0"/>
-              <a:t>5/22/2023</a:t>
+              <a:t>5/26/2023</a:t>
             </a:fld>
             <a:endParaRPr lang="en-US"/>
           </a:p>
@@ -4202,40 +4202,7 @@
                 <a:ea typeface="Segoe UI Black" panose="020B0A02040204020203" pitchFamily="34" charset="0"/>
                 <a:cs typeface="Segoe UI" panose="020B0502040204020203" pitchFamily="34" charset="0"/>
               </a:rPr>
-              <a:t>Even small non-detection rates affect inferences </a:t>
-            </a:r>
-            <a:r>
-              <a:rPr lang="en-US" sz="3200" dirty="0" smtClean="0">
-                <a:solidFill>
-                  <a:schemeClr val="bg1"/>
-                </a:solidFill>
-                <a:latin typeface="Lato Black" panose="020F0A02020204030203" pitchFamily="34" charset="0"/>
-                <a:ea typeface="Segoe UI Black" panose="020B0A02040204020203" pitchFamily="34" charset="0"/>
-                <a:cs typeface="Segoe UI" panose="020B0502040204020203" pitchFamily="34" charset="0"/>
-              </a:rPr>
-              <a:t>for </a:t>
-            </a:r>
-            <a:r>
-              <a:rPr lang="en-US" sz="3200" dirty="0" smtClean="0">
-                <a:solidFill>
-                  <a:schemeClr val="bg1"/>
-                </a:solidFill>
-                <a:latin typeface="Lato Black" panose="020F0A02020204030203" pitchFamily="34" charset="0"/>
-                <a:ea typeface="Segoe UI Black" panose="020B0A02040204020203" pitchFamily="34" charset="0"/>
-                <a:cs typeface="Segoe UI" panose="020B0502040204020203" pitchFamily="34" charset="0"/>
-              </a:rPr>
-              <a:t>GWAS positive-unlabeled </a:t>
-            </a:r>
-            <a:r>
-              <a:rPr lang="en-US" sz="3200" dirty="0" smtClean="0">
-                <a:solidFill>
-                  <a:schemeClr val="bg1"/>
-                </a:solidFill>
-                <a:latin typeface="Lato Black" panose="020F0A02020204030203" pitchFamily="34" charset="0"/>
-                <a:ea typeface="Segoe UI Black" panose="020B0A02040204020203" pitchFamily="34" charset="0"/>
-                <a:cs typeface="Segoe UI" panose="020B0502040204020203" pitchFamily="34" charset="0"/>
-              </a:rPr>
-              <a:t>data</a:t>
+              <a:t>Even small non-detection rates affect inferences for GWAS positive-unlabeled data</a:t>
             </a:r>
             <a:endParaRPr lang="en-US" sz="3200" dirty="0">
               <a:solidFill>
@@ -6224,7 +6191,7 @@
                 <a14:useLocalDpi xmlns:a14="http://schemas.microsoft.com/office/drawing/2010/main" val="0"/>
               </a:ext>
               <a:ext uri="{96DAC541-7B7A-43D3-8B79-37D633B846F1}">
-                <asvg:svgBlip xmlns:asvg="http://schemas.microsoft.com/office/drawing/2016/SVG/main" xmlns="" r:embed="rId5"/>
+                <asvg:svgBlip xmlns="" xmlns:asvg="http://schemas.microsoft.com/office/drawing/2016/SVG/main" r:embed="rId5"/>
               </a:ext>
             </a:extLst>
           </a:blip>
@@ -6251,7 +6218,7 @@
           <p:nvPr/>
         </p:nvPicPr>
         <p:blipFill>
-          <a:blip r:embed="rId3" cstate="print">
+          <a:blip r:embed="rId5" cstate="print">
             <a:extLst>
               <a:ext uri="{28A0092B-C50C-407E-A947-70E740481C1C}">
                 <a14:useLocalDpi xmlns:a14="http://schemas.microsoft.com/office/drawing/2010/main" val="0"/>
@@ -6294,7 +6261,7 @@
         </p:blipFill>
         <p:spPr>
           <a:xfrm>
-            <a:off x="3292700" y="2129413"/>
+            <a:off x="4042004" y="2869563"/>
             <a:ext cx="2158621" cy="1439080"/>
           </a:xfrm>
           <a:prstGeom prst="rect">
@@ -6487,40 +6454,7 @@
                 <a:ea typeface="Segoe UI Black" panose="020B0A02040204020203" pitchFamily="34" charset="0"/>
                 <a:cs typeface="Segoe UI" panose="020B0502040204020203" pitchFamily="34" charset="0"/>
               </a:rPr>
-              <a:t>Even small non-detection rates affect inferences </a:t>
-            </a:r>
-            <a:r>
-              <a:rPr lang="en-US" sz="3200" dirty="0" smtClean="0">
-                <a:solidFill>
-                  <a:schemeClr val="bg1"/>
-                </a:solidFill>
-                <a:latin typeface="Lato Black" panose="020F0A02020204030203" pitchFamily="34" charset="0"/>
-                <a:ea typeface="Segoe UI Black" panose="020B0A02040204020203" pitchFamily="34" charset="0"/>
-                <a:cs typeface="Segoe UI" panose="020B0502040204020203" pitchFamily="34" charset="0"/>
-              </a:rPr>
-              <a:t>for </a:t>
-            </a:r>
-            <a:r>
-              <a:rPr lang="en-US" sz="3200" dirty="0" smtClean="0">
-                <a:solidFill>
-                  <a:schemeClr val="bg1"/>
-                </a:solidFill>
-                <a:latin typeface="Lato Black" panose="020F0A02020204030203" pitchFamily="34" charset="0"/>
-                <a:ea typeface="Segoe UI Black" panose="020B0A02040204020203" pitchFamily="34" charset="0"/>
-                <a:cs typeface="Segoe UI" panose="020B0502040204020203" pitchFamily="34" charset="0"/>
-              </a:rPr>
-              <a:t>GWAS positive-unlabeled </a:t>
-            </a:r>
-            <a:r>
-              <a:rPr lang="en-US" sz="3200" dirty="0" smtClean="0">
-                <a:solidFill>
-                  <a:schemeClr val="bg1"/>
-                </a:solidFill>
-                <a:latin typeface="Lato Black" panose="020F0A02020204030203" pitchFamily="34" charset="0"/>
-                <a:ea typeface="Segoe UI Black" panose="020B0A02040204020203" pitchFamily="34" charset="0"/>
-                <a:cs typeface="Segoe UI" panose="020B0502040204020203" pitchFamily="34" charset="0"/>
-              </a:rPr>
-              <a:t>data</a:t>
+              <a:t>Even small non-detection rates affect inferences for GWAS positive-unlabeled data</a:t>
             </a:r>
             <a:endParaRPr lang="en-US" sz="3200" dirty="0">
               <a:solidFill>
@@ -8322,7 +8256,7 @@
                 <a14:useLocalDpi xmlns:a14="http://schemas.microsoft.com/office/drawing/2010/main" val="0"/>
               </a:ext>
               <a:ext uri="{96DAC541-7B7A-43D3-8B79-37D633B846F1}">
-                <asvg:svgBlip xmlns:asvg="http://schemas.microsoft.com/office/drawing/2016/SVG/main" xmlns="" r:embed="rId5"/>
+                <asvg:svgBlip xmlns="" xmlns:asvg="http://schemas.microsoft.com/office/drawing/2016/SVG/main" r:embed="rId5"/>
               </a:ext>
             </a:extLst>
           </a:blip>
@@ -8795,18 +8729,7 @@
                 <a:ea typeface="Segoe UI Black" panose="020B0A02040204020203" pitchFamily="34" charset="0"/>
                 <a:cs typeface="Segoe UI" panose="020B0502040204020203" pitchFamily="34" charset="0"/>
               </a:rPr>
-              <a:t>for </a:t>
-            </a:r>
-            <a:r>
-              <a:rPr lang="en-US" sz="3200" dirty="0" smtClean="0">
-                <a:solidFill>
-                  <a:schemeClr val="bg1"/>
-                </a:solidFill>
-                <a:latin typeface="Lato Black" panose="020F0A02020204030203" pitchFamily="34" charset="0"/>
-                <a:ea typeface="Segoe UI Black" panose="020B0A02040204020203" pitchFamily="34" charset="0"/>
-                <a:cs typeface="Segoe UI" panose="020B0502040204020203" pitchFamily="34" charset="0"/>
-              </a:rPr>
-              <a:t>GWAS</a:t>
+              <a:t>for GWAS</a:t>
             </a:r>
             <a:endParaRPr lang="en-US" sz="3200" dirty="0">
               <a:solidFill>
@@ -8964,17 +8887,7 @@
                 <a:latin typeface="Lato" panose="020F0502020204030203" pitchFamily="34" charset="0"/>
                 <a:cs typeface="Segoe UI" panose="020B0502040204020203" pitchFamily="34" charset="0"/>
               </a:rPr>
-              <a:t>Un</a:t>
-            </a:r>
-            <a:r>
-              <a:rPr lang="en-US" sz="1200" dirty="0" smtClean="0">
-                <a:solidFill>
-                  <a:prstClr val="black"/>
-                </a:solidFill>
-                <a:latin typeface="Lato" panose="020F0502020204030203" pitchFamily="34" charset="0"/>
-                <a:cs typeface="Segoe UI" panose="020B0502040204020203" pitchFamily="34" charset="0"/>
-              </a:rPr>
-              <a:t>detected positives decrease the effect size and reduce power, even for small non-detection rates.</a:t>
+              <a:t>Undetected positives decrease the effect size and reduce power, even for small non-detection rates.</a:t>
             </a:r>
             <a:endParaRPr lang="en-US" sz="1200" dirty="0">
               <a:solidFill>
@@ -10405,9 +10318,177 @@
           </a:prstGeom>
         </p:spPr>
       </p:pic>
+      <p:sp>
+        <p:nvSpPr>
+          <p:cNvPr id="13" name="Rectangle 12"/>
+          <p:cNvSpPr/>
+          <p:nvPr/>
+        </p:nvSpPr>
+        <p:spPr>
+          <a:xfrm>
+            <a:off x="9922220" y="3451873"/>
+            <a:ext cx="1522030" cy="1920526"/>
+          </a:xfrm>
+          <a:prstGeom prst="rect">
+            <a:avLst/>
+          </a:prstGeom>
+        </p:spPr>
+        <p:txBody>
+          <a:bodyPr wrap="square">
+            <a:spAutoFit/>
+          </a:bodyPr>
+          <a:lstStyle/>
+          <a:p>
+            <a:pPr defTabSz="95235">
+              <a:lnSpc>
+                <a:spcPct val="120000"/>
+              </a:lnSpc>
+            </a:pPr>
+            <a:r>
+              <a:rPr lang="en-US" sz="900" b="1" dirty="0" smtClean="0">
+                <a:solidFill>
+                  <a:srgbClr val="8C1616"/>
+                </a:solidFill>
+                <a:latin typeface="Lato" panose="020F0502020204030203" pitchFamily="34" charset="0"/>
+                <a:cs typeface="Segoe UI" panose="020B0502040204020203" pitchFamily="34" charset="0"/>
+              </a:rPr>
+              <a:t>Simulation method</a:t>
+            </a:r>
+            <a:endParaRPr lang="en-US" sz="900" b="1" dirty="0">
+              <a:solidFill>
+                <a:srgbClr val="8C1616"/>
+              </a:solidFill>
+              <a:latin typeface="Lato" panose="020F0502020204030203" pitchFamily="34" charset="0"/>
+              <a:cs typeface="Segoe UI" panose="020B0502040204020203" pitchFamily="34" charset="0"/>
+            </a:endParaRPr>
+          </a:p>
+          <a:p>
+            <a:pPr marL="154756" indent="-154756" defTabSz="95235">
+              <a:lnSpc>
+                <a:spcPct val="120000"/>
+              </a:lnSpc>
+              <a:buFont typeface="+mj-lt"/>
+              <a:buAutoNum type="arabicPeriod"/>
+            </a:pPr>
+            <a:r>
+              <a:rPr lang="en-US" sz="900" dirty="0" smtClean="0">
+                <a:solidFill>
+                  <a:prstClr val="black"/>
+                </a:solidFill>
+                <a:latin typeface="Lato" panose="020F0502020204030203" pitchFamily="34" charset="0"/>
+                <a:cs typeface="Segoe UI" panose="020B0502040204020203" pitchFamily="34" charset="0"/>
+              </a:rPr>
+              <a:t>N=100 </a:t>
+            </a:r>
+            <a:r>
+              <a:rPr lang="en-US" sz="900" dirty="0">
+                <a:solidFill>
+                  <a:prstClr val="black"/>
+                </a:solidFill>
+                <a:latin typeface="Lato" panose="020F0502020204030203" pitchFamily="34" charset="0"/>
+                <a:cs typeface="Segoe UI" panose="020B0502040204020203" pitchFamily="34" charset="0"/>
+              </a:rPr>
+              <a:t>per group</a:t>
+            </a:r>
+          </a:p>
+          <a:p>
+            <a:pPr marL="154756" indent="-154756" defTabSz="95235">
+              <a:lnSpc>
+                <a:spcPct val="120000"/>
+              </a:lnSpc>
+              <a:buFont typeface="+mj-lt"/>
+              <a:buAutoNum type="arabicPeriod"/>
+            </a:pPr>
+            <a:r>
+              <a:rPr lang="en-US" sz="900" dirty="0">
+                <a:solidFill>
+                  <a:prstClr val="black"/>
+                </a:solidFill>
+                <a:latin typeface="Lato" panose="020F0502020204030203" pitchFamily="34" charset="0"/>
+                <a:cs typeface="Segoe UI" panose="020B0502040204020203" pitchFamily="34" charset="0"/>
+              </a:rPr>
+              <a:t>Effect size = 0.5</a:t>
+            </a:r>
+          </a:p>
+          <a:p>
+            <a:pPr marL="154756" indent="-154756" defTabSz="95235">
+              <a:lnSpc>
+                <a:spcPct val="120000"/>
+              </a:lnSpc>
+              <a:buFont typeface="+mj-lt"/>
+              <a:buAutoNum type="arabicPeriod"/>
+            </a:pPr>
+            <a:r>
+              <a:rPr lang="en-US" sz="900" dirty="0">
+                <a:solidFill>
+                  <a:prstClr val="black"/>
+                </a:solidFill>
+                <a:latin typeface="Lato" panose="020F0502020204030203" pitchFamily="34" charset="0"/>
+                <a:cs typeface="Segoe UI" panose="020B0502040204020203" pitchFamily="34" charset="0"/>
+              </a:rPr>
+              <a:t>Sampled 100 positive cases from a Gaussian</a:t>
+            </a:r>
+          </a:p>
+          <a:p>
+            <a:pPr marL="154756" indent="-154756" defTabSz="95235">
+              <a:lnSpc>
+                <a:spcPct val="120000"/>
+              </a:lnSpc>
+              <a:buFont typeface="+mj-lt"/>
+              <a:buAutoNum type="arabicPeriod"/>
+            </a:pPr>
+            <a:r>
+              <a:rPr lang="en-US" sz="900" dirty="0">
+                <a:solidFill>
+                  <a:prstClr val="black"/>
+                </a:solidFill>
+                <a:latin typeface="Lato" panose="020F0502020204030203" pitchFamily="34" charset="0"/>
+                <a:cs typeface="Segoe UI" panose="020B0502040204020203" pitchFamily="34" charset="0"/>
+              </a:rPr>
+              <a:t>Sampled 100 unlabeled controls from a Gaussian mixture, varying the percent of non-detected </a:t>
+            </a:r>
+            <a:r>
+              <a:rPr lang="en-US" sz="900" dirty="0" smtClean="0">
+                <a:solidFill>
+                  <a:prstClr val="black"/>
+                </a:solidFill>
+                <a:latin typeface="Lato" panose="020F0502020204030203" pitchFamily="34" charset="0"/>
+                <a:cs typeface="Segoe UI" panose="020B0502040204020203" pitchFamily="34" charset="0"/>
+              </a:rPr>
+              <a:t>affected group</a:t>
+            </a:r>
+            <a:endParaRPr lang="en-US" dirty="0">
+              <a:solidFill>
+                <a:prstClr val="black"/>
+              </a:solidFill>
+              <a:latin typeface="Lato" panose="020F0502020204030203" pitchFamily="34" charset="0"/>
+              <a:cs typeface="Segoe UI" panose="020B0502040204020203" pitchFamily="34" charset="0"/>
+            </a:endParaRPr>
+          </a:p>
+          <a:p>
+            <a:pPr marL="154756" indent="-154756" defTabSz="95235">
+              <a:lnSpc>
+                <a:spcPct val="120000"/>
+              </a:lnSpc>
+              <a:buFont typeface="+mj-lt"/>
+              <a:buAutoNum type="arabicPeriod"/>
+            </a:pPr>
+            <a:r>
+              <a:rPr lang="en-US" sz="900" dirty="0" smtClean="0">
+                <a:solidFill>
+                  <a:prstClr val="black"/>
+                </a:solidFill>
+                <a:latin typeface="Lato" panose="020F0502020204030203" pitchFamily="34" charset="0"/>
+                <a:cs typeface="Segoe UI" panose="020B0502040204020203" pitchFamily="34" charset="0"/>
+              </a:rPr>
+              <a:t>Power from Welsh’s test</a:t>
+            </a:r>
+          </a:p>
+        </p:txBody>
+      </p:sp>
       <p:pic>
         <p:nvPicPr>
-          <p:cNvPr id="30" name="Picture 29"/>
+          <p:cNvPr id="10" name="Picture 9"/>
           <p:cNvPicPr>
             <a:picLocks noChangeAspect="1"/>
           </p:cNvPicPr>
@@ -10427,182 +10508,14 @@
         </p:blipFill>
         <p:spPr>
           <a:xfrm>
-            <a:off x="3712105" y="1837781"/>
-            <a:ext cx="5160536" cy="3224284"/>
+            <a:off x="3549173" y="1688743"/>
+            <a:ext cx="5486400" cy="3657600"/>
           </a:xfrm>
           <a:prstGeom prst="rect">
             <a:avLst/>
           </a:prstGeom>
         </p:spPr>
       </p:pic>
-      <p:sp>
-        <p:nvSpPr>
-          <p:cNvPr id="13" name="Rectangle 12"/>
-          <p:cNvSpPr/>
-          <p:nvPr/>
-        </p:nvSpPr>
-        <p:spPr>
-          <a:xfrm>
-            <a:off x="9922220" y="3451873"/>
-            <a:ext cx="1522030" cy="1920526"/>
-          </a:xfrm>
-          <a:prstGeom prst="rect">
-            <a:avLst/>
-          </a:prstGeom>
-        </p:spPr>
-        <p:txBody>
-          <a:bodyPr wrap="square">
-            <a:spAutoFit/>
-          </a:bodyPr>
-          <a:lstStyle/>
-          <a:p>
-            <a:pPr defTabSz="95235">
-              <a:lnSpc>
-                <a:spcPct val="120000"/>
-              </a:lnSpc>
-            </a:pPr>
-            <a:r>
-              <a:rPr lang="en-US" sz="900" b="1" dirty="0" smtClean="0">
-                <a:solidFill>
-                  <a:srgbClr val="8C1616"/>
-                </a:solidFill>
-                <a:latin typeface="Lato" panose="020F0502020204030203" pitchFamily="34" charset="0"/>
-                <a:cs typeface="Segoe UI" panose="020B0502040204020203" pitchFamily="34" charset="0"/>
-              </a:rPr>
-              <a:t>Simulation method</a:t>
-            </a:r>
-            <a:endParaRPr lang="en-US" sz="900" b="1" dirty="0">
-              <a:solidFill>
-                <a:srgbClr val="8C1616"/>
-              </a:solidFill>
-              <a:latin typeface="Lato" panose="020F0502020204030203" pitchFamily="34" charset="0"/>
-              <a:cs typeface="Segoe UI" panose="020B0502040204020203" pitchFamily="34" charset="0"/>
-            </a:endParaRPr>
-          </a:p>
-          <a:p>
-            <a:pPr marL="154756" indent="-154756" defTabSz="95235">
-              <a:lnSpc>
-                <a:spcPct val="120000"/>
-              </a:lnSpc>
-              <a:buFont typeface="+mj-lt"/>
-              <a:buAutoNum type="arabicPeriod"/>
-            </a:pPr>
-            <a:r>
-              <a:rPr lang="en-US" sz="900" dirty="0" smtClean="0">
-                <a:solidFill>
-                  <a:prstClr val="black"/>
-                </a:solidFill>
-                <a:latin typeface="Lato" panose="020F0502020204030203" pitchFamily="34" charset="0"/>
-                <a:cs typeface="Segoe UI" panose="020B0502040204020203" pitchFamily="34" charset="0"/>
-              </a:rPr>
-              <a:t>N=100 </a:t>
-            </a:r>
-            <a:r>
-              <a:rPr lang="en-US" sz="900" dirty="0">
-                <a:solidFill>
-                  <a:prstClr val="black"/>
-                </a:solidFill>
-                <a:latin typeface="Lato" panose="020F0502020204030203" pitchFamily="34" charset="0"/>
-                <a:cs typeface="Segoe UI" panose="020B0502040204020203" pitchFamily="34" charset="0"/>
-              </a:rPr>
-              <a:t>per group</a:t>
-            </a:r>
-          </a:p>
-          <a:p>
-            <a:pPr marL="154756" indent="-154756" defTabSz="95235">
-              <a:lnSpc>
-                <a:spcPct val="120000"/>
-              </a:lnSpc>
-              <a:buFont typeface="+mj-lt"/>
-              <a:buAutoNum type="arabicPeriod"/>
-            </a:pPr>
-            <a:r>
-              <a:rPr lang="en-US" sz="900" dirty="0">
-                <a:solidFill>
-                  <a:prstClr val="black"/>
-                </a:solidFill>
-                <a:latin typeface="Lato" panose="020F0502020204030203" pitchFamily="34" charset="0"/>
-                <a:cs typeface="Segoe UI" panose="020B0502040204020203" pitchFamily="34" charset="0"/>
-              </a:rPr>
-              <a:t>Effect size = 0.5</a:t>
-            </a:r>
-          </a:p>
-          <a:p>
-            <a:pPr marL="154756" indent="-154756" defTabSz="95235">
-              <a:lnSpc>
-                <a:spcPct val="120000"/>
-              </a:lnSpc>
-              <a:buFont typeface="+mj-lt"/>
-              <a:buAutoNum type="arabicPeriod"/>
-            </a:pPr>
-            <a:r>
-              <a:rPr lang="en-US" sz="900" dirty="0">
-                <a:solidFill>
-                  <a:prstClr val="black"/>
-                </a:solidFill>
-                <a:latin typeface="Lato" panose="020F0502020204030203" pitchFamily="34" charset="0"/>
-                <a:cs typeface="Segoe UI" panose="020B0502040204020203" pitchFamily="34" charset="0"/>
-              </a:rPr>
-              <a:t>Sampled 100 positive cases from a Gaussian</a:t>
-            </a:r>
-          </a:p>
-          <a:p>
-            <a:pPr marL="154756" indent="-154756" defTabSz="95235">
-              <a:lnSpc>
-                <a:spcPct val="120000"/>
-              </a:lnSpc>
-              <a:buFont typeface="+mj-lt"/>
-              <a:buAutoNum type="arabicPeriod"/>
-            </a:pPr>
-            <a:r>
-              <a:rPr lang="en-US" sz="900" dirty="0">
-                <a:solidFill>
-                  <a:prstClr val="black"/>
-                </a:solidFill>
-                <a:latin typeface="Lato" panose="020F0502020204030203" pitchFamily="34" charset="0"/>
-                <a:cs typeface="Segoe UI" panose="020B0502040204020203" pitchFamily="34" charset="0"/>
-              </a:rPr>
-              <a:t>Sampled 100 unlabeled controls from a Gaussian mixture, varying the percent of non-detected </a:t>
-            </a:r>
-            <a:r>
-              <a:rPr lang="en-US" sz="900" dirty="0" smtClean="0">
-                <a:solidFill>
-                  <a:prstClr val="black"/>
-                </a:solidFill>
-                <a:latin typeface="Lato" panose="020F0502020204030203" pitchFamily="34" charset="0"/>
-                <a:cs typeface="Segoe UI" panose="020B0502040204020203" pitchFamily="34" charset="0"/>
-              </a:rPr>
-              <a:t>affected group</a:t>
-            </a:r>
-            <a:endParaRPr lang="en-US" dirty="0">
-              <a:solidFill>
-                <a:prstClr val="black"/>
-              </a:solidFill>
-              <a:latin typeface="Lato" panose="020F0502020204030203" pitchFamily="34" charset="0"/>
-              <a:cs typeface="Segoe UI" panose="020B0502040204020203" pitchFamily="34" charset="0"/>
-            </a:endParaRPr>
-          </a:p>
-          <a:p>
-            <a:pPr marL="154756" indent="-154756" defTabSz="95235">
-              <a:lnSpc>
-                <a:spcPct val="120000"/>
-              </a:lnSpc>
-              <a:buFont typeface="+mj-lt"/>
-              <a:buAutoNum type="arabicPeriod"/>
-            </a:pPr>
-            <a:r>
-              <a:rPr lang="en-US" sz="900" dirty="0" smtClean="0">
-                <a:solidFill>
-                  <a:prstClr val="black"/>
-                </a:solidFill>
-                <a:latin typeface="Lato" panose="020F0502020204030203" pitchFamily="34" charset="0"/>
-                <a:cs typeface="Segoe UI" panose="020B0502040204020203" pitchFamily="34" charset="0"/>
-              </a:rPr>
-              <a:t>Power from Welsh’s test</a:t>
-            </a:r>
-          </a:p>
-        </p:txBody>
-      </p:sp>
     </p:spTree>
     <p:extLst>
       <p:ext uri="{BB962C8B-B14F-4D97-AF65-F5344CB8AC3E}">

--- a/jsm2023.pptx
+++ b/jsm2023.pptx
@@ -199,7 +199,7 @@
           <a:p>
             <a:fld id="{3BD805B9-2ECF-43F2-B31B-897870BD292D}" type="datetimeFigureOut">
               <a:rPr lang="en-US" smtClean="0"/>
-              <a:t>5/26/2023</a:t>
+              <a:t>5/28/2023</a:t>
             </a:fld>
             <a:endParaRPr lang="en-US"/>
           </a:p>
@@ -1282,7 +1282,7 @@
           <a:p>
             <a:fld id="{3F135061-2F74-46D4-9F8F-C77EF304855D}" type="datetimeFigureOut">
               <a:rPr lang="en-US" smtClean="0"/>
-              <a:t>5/26/2023</a:t>
+              <a:t>5/28/2023</a:t>
             </a:fld>
             <a:endParaRPr lang="en-US"/>
           </a:p>
@@ -1452,7 +1452,7 @@
           <a:p>
             <a:fld id="{3F135061-2F74-46D4-9F8F-C77EF304855D}" type="datetimeFigureOut">
               <a:rPr lang="en-US" smtClean="0"/>
-              <a:t>5/26/2023</a:t>
+              <a:t>5/28/2023</a:t>
             </a:fld>
             <a:endParaRPr lang="en-US"/>
           </a:p>
@@ -1632,7 +1632,7 @@
           <a:p>
             <a:fld id="{3F135061-2F74-46D4-9F8F-C77EF304855D}" type="datetimeFigureOut">
               <a:rPr lang="en-US" smtClean="0"/>
-              <a:t>5/26/2023</a:t>
+              <a:t>5/28/2023</a:t>
             </a:fld>
             <a:endParaRPr lang="en-US"/>
           </a:p>
@@ -1802,7 +1802,7 @@
           <a:p>
             <a:fld id="{3F135061-2F74-46D4-9F8F-C77EF304855D}" type="datetimeFigureOut">
               <a:rPr lang="en-US" smtClean="0"/>
-              <a:t>5/26/2023</a:t>
+              <a:t>5/28/2023</a:t>
             </a:fld>
             <a:endParaRPr lang="en-US"/>
           </a:p>
@@ -2046,7 +2046,7 @@
           <a:p>
             <a:fld id="{3F135061-2F74-46D4-9F8F-C77EF304855D}" type="datetimeFigureOut">
               <a:rPr lang="en-US" smtClean="0"/>
-              <a:t>5/26/2023</a:t>
+              <a:t>5/28/2023</a:t>
             </a:fld>
             <a:endParaRPr lang="en-US"/>
           </a:p>
@@ -2278,7 +2278,7 @@
           <a:p>
             <a:fld id="{3F135061-2F74-46D4-9F8F-C77EF304855D}" type="datetimeFigureOut">
               <a:rPr lang="en-US" smtClean="0"/>
-              <a:t>5/26/2023</a:t>
+              <a:t>5/28/2023</a:t>
             </a:fld>
             <a:endParaRPr lang="en-US"/>
           </a:p>
@@ -2645,7 +2645,7 @@
           <a:p>
             <a:fld id="{3F135061-2F74-46D4-9F8F-C77EF304855D}" type="datetimeFigureOut">
               <a:rPr lang="en-US" smtClean="0"/>
-              <a:t>5/26/2023</a:t>
+              <a:t>5/28/2023</a:t>
             </a:fld>
             <a:endParaRPr lang="en-US"/>
           </a:p>
@@ -2763,7 +2763,7 @@
           <a:p>
             <a:fld id="{3F135061-2F74-46D4-9F8F-C77EF304855D}" type="datetimeFigureOut">
               <a:rPr lang="en-US" smtClean="0"/>
-              <a:t>5/26/2023</a:t>
+              <a:t>5/28/2023</a:t>
             </a:fld>
             <a:endParaRPr lang="en-US"/>
           </a:p>
@@ -2858,7 +2858,7 @@
           <a:p>
             <a:fld id="{3F135061-2F74-46D4-9F8F-C77EF304855D}" type="datetimeFigureOut">
               <a:rPr lang="en-US" smtClean="0"/>
-              <a:t>5/26/2023</a:t>
+              <a:t>5/28/2023</a:t>
             </a:fld>
             <a:endParaRPr lang="en-US"/>
           </a:p>
@@ -3135,7 +3135,7 @@
           <a:p>
             <a:fld id="{3F135061-2F74-46D4-9F8F-C77EF304855D}" type="datetimeFigureOut">
               <a:rPr lang="en-US" smtClean="0"/>
-              <a:t>5/26/2023</a:t>
+              <a:t>5/28/2023</a:t>
             </a:fld>
             <a:endParaRPr lang="en-US"/>
           </a:p>
@@ -3392,7 +3392,7 @@
           <a:p>
             <a:fld id="{3F135061-2F74-46D4-9F8F-C77EF304855D}" type="datetimeFigureOut">
               <a:rPr lang="en-US" smtClean="0"/>
-              <a:t>5/26/2023</a:t>
+              <a:t>5/28/2023</a:t>
             </a:fld>
             <a:endParaRPr lang="en-US"/>
           </a:p>
@@ -3608,7 +3608,7 @@
           <a:p>
             <a:fld id="{3F135061-2F74-46D4-9F8F-C77EF304855D}" type="datetimeFigureOut">
               <a:rPr lang="en-US" smtClean="0"/>
-              <a:t>5/26/2023</a:t>
+              <a:t>5/28/2023</a:t>
             </a:fld>
             <a:endParaRPr lang="en-US"/>
           </a:p>
@@ -8630,7 +8630,7 @@
         </p:nvSpPr>
         <p:spPr>
           <a:xfrm>
-            <a:off x="3126323" y="179283"/>
+            <a:off x="3271343" y="216697"/>
             <a:ext cx="6332100" cy="6470352"/>
           </a:xfrm>
           <a:prstGeom prst="roundRect">
@@ -8683,8 +8683,8 @@
         </p:nvSpPr>
         <p:spPr>
           <a:xfrm>
-            <a:off x="3658962" y="436330"/>
-            <a:ext cx="5309774" cy="2243161"/>
+            <a:off x="3658961" y="436330"/>
+            <a:ext cx="5625705" cy="2243161"/>
           </a:xfrm>
         </p:spPr>
         <p:txBody>
@@ -8699,7 +8699,7 @@
               </a:lnSpc>
             </a:pPr>
             <a:r>
-              <a:rPr lang="en-US" sz="3200" dirty="0" smtClean="0">
+              <a:rPr lang="en-US" sz="4000" dirty="0" smtClean="0">
                 <a:solidFill>
                   <a:schemeClr val="bg1"/>
                 </a:solidFill>
@@ -8707,10 +8707,10 @@
                 <a:ea typeface="Segoe UI Black" panose="020B0A02040204020203" pitchFamily="34" charset="0"/>
                 <a:cs typeface="Segoe UI" panose="020B0502040204020203" pitchFamily="34" charset="0"/>
               </a:rPr>
-              <a:t>Even small non-detection rates </a:t>
-            </a:r>
-            <a:r>
-              <a:rPr lang="en-US" sz="3200" smtClean="0">
+              <a:t>Even small non-detection rates affect </a:t>
+            </a:r>
+            <a:r>
+              <a:rPr lang="en-US" sz="4000" dirty="0" smtClean="0">
                 <a:solidFill>
                   <a:schemeClr val="bg1"/>
                 </a:solidFill>
@@ -8718,20 +8718,9 @@
                 <a:ea typeface="Segoe UI Black" panose="020B0A02040204020203" pitchFamily="34" charset="0"/>
                 <a:cs typeface="Segoe UI" panose="020B0502040204020203" pitchFamily="34" charset="0"/>
               </a:rPr>
-              <a:t>affect power </a:t>
-            </a:r>
-            <a:r>
-              <a:rPr lang="en-US" sz="3200" dirty="0" smtClean="0">
-                <a:solidFill>
-                  <a:schemeClr val="bg1"/>
-                </a:solidFill>
-                <a:latin typeface="Lato Black" panose="020F0A02020204030203" pitchFamily="34" charset="0"/>
-                <a:ea typeface="Segoe UI Black" panose="020B0A02040204020203" pitchFamily="34" charset="0"/>
-                <a:cs typeface="Segoe UI" panose="020B0502040204020203" pitchFamily="34" charset="0"/>
-              </a:rPr>
-              <a:t>for GWAS</a:t>
-            </a:r>
-            <a:endParaRPr lang="en-US" sz="3200" dirty="0">
+              <a:t>GWAS power</a:t>
+            </a:r>
+            <a:endParaRPr lang="en-US" sz="4000" dirty="0">
               <a:solidFill>
                 <a:schemeClr val="bg1"/>
               </a:solidFill>
@@ -9509,7 +9498,7 @@
         <p:spPr>
           <a:xfrm>
             <a:off x="5930259" y="5866637"/>
-            <a:ext cx="2241652" cy="553998"/>
+            <a:ext cx="2241652" cy="400110"/>
           </a:xfrm>
           <a:prstGeom prst="rect">
             <a:avLst/>
@@ -9581,27 +9570,7 @@
                 <a:latin typeface="Lato Black" panose="020F0A02020204030203" pitchFamily="34" charset="0"/>
                 <a:cs typeface="Arial" panose="020B0604020202020204" pitchFamily="34" charset="0"/>
               </a:rPr>
-              <a:t>long abstract. </a:t>
-            </a:r>
-            <a:r>
-              <a:rPr lang="en-US" sz="1000" u="sng" dirty="0" smtClean="0">
-                <a:solidFill>
-                  <a:srgbClr val="CDCDCD"/>
-                </a:solidFill>
-                <a:latin typeface="Lato Black" panose="020F0A02020204030203" pitchFamily="34" charset="0"/>
-                <a:cs typeface="Arial" panose="020B0604020202020204" pitchFamily="34" charset="0"/>
-              </a:rPr>
-              <a:t>It also considers group imbalance</a:t>
-            </a:r>
-            <a:r>
-              <a:rPr lang="en-US" sz="1000" dirty="0" smtClean="0">
-                <a:solidFill>
-                  <a:srgbClr val="CDCDCD"/>
-                </a:solidFill>
-                <a:latin typeface="Lato Black" panose="020F0A02020204030203" pitchFamily="34" charset="0"/>
-                <a:cs typeface="Arial" panose="020B0604020202020204" pitchFamily="34" charset="0"/>
-              </a:rPr>
-              <a:t> and has references.</a:t>
+              <a:t>long abstract with references.</a:t>
             </a:r>
             <a:endParaRPr lang="en-US" sz="1000" u="sng" dirty="0">
               <a:solidFill>
@@ -9813,216 +9782,6 @@
           </a:p>
         </p:txBody>
       </p:sp>
-      <p:sp>
-        <p:nvSpPr>
-          <p:cNvPr id="23" name="Graphic 18">
-            <a:extLst>
-              <a:ext uri="{FF2B5EF4-FFF2-40B4-BE49-F238E27FC236}">
-                <a16:creationId xmlns:a16="http://schemas.microsoft.com/office/drawing/2014/main" id="{1B355378-8069-4F41-9F33-76FF52B1D680}"/>
-              </a:ext>
-            </a:extLst>
-          </p:cNvPr>
-          <p:cNvSpPr/>
-          <p:nvPr/>
-        </p:nvSpPr>
-        <p:spPr>
-          <a:xfrm>
-            <a:off x="9418428" y="5330001"/>
-            <a:ext cx="75090" cy="69833"/>
-          </a:xfrm>
-          <a:custGeom>
-            <a:avLst/>
-            <a:gdLst>
-              <a:gd name="connsiteX0" fmla="*/ 310594 w 327663"/>
-              <a:gd name="connsiteY0" fmla="*/ 219906 h 335196"/>
-              <a:gd name="connsiteX1" fmla="*/ 246568 w 327663"/>
-              <a:gd name="connsiteY1" fmla="*/ 176217 h 335196"/>
-              <a:gd name="connsiteX2" fmla="*/ 212295 w 327663"/>
-              <a:gd name="connsiteY2" fmla="*/ 176217 h 335196"/>
-              <a:gd name="connsiteX3" fmla="*/ 165217 w 327663"/>
-              <a:gd name="connsiteY3" fmla="*/ 189022 h 335196"/>
-              <a:gd name="connsiteX4" fmla="*/ 118138 w 327663"/>
-              <a:gd name="connsiteY4" fmla="*/ 176217 h 335196"/>
-              <a:gd name="connsiteX5" fmla="*/ 83866 w 327663"/>
-              <a:gd name="connsiteY5" fmla="*/ 176217 h 335196"/>
-              <a:gd name="connsiteX6" fmla="*/ 19839 w 327663"/>
-              <a:gd name="connsiteY6" fmla="*/ 219906 h 335196"/>
-              <a:gd name="connsiteX7" fmla="*/ 1385 w 327663"/>
-              <a:gd name="connsiteY7" fmla="*/ 299750 h 335196"/>
-              <a:gd name="connsiteX8" fmla="*/ 165970 w 327663"/>
-              <a:gd name="connsiteY8" fmla="*/ 335529 h 335196"/>
-              <a:gd name="connsiteX9" fmla="*/ 329802 w 327663"/>
-              <a:gd name="connsiteY9" fmla="*/ 299750 h 335196"/>
-              <a:gd name="connsiteX10" fmla="*/ 310594 w 327663"/>
-              <a:gd name="connsiteY10" fmla="*/ 219906 h 335196"/>
-              <a:gd name="connsiteX11" fmla="*/ 165593 w 327663"/>
-              <a:gd name="connsiteY11" fmla="*/ 154749 h 335196"/>
-              <a:gd name="connsiteX12" fmla="*/ 242425 w 327663"/>
-              <a:gd name="connsiteY12" fmla="*/ 77918 h 335196"/>
-              <a:gd name="connsiteX13" fmla="*/ 165593 w 327663"/>
-              <a:gd name="connsiteY13" fmla="*/ 1086 h 335196"/>
-              <a:gd name="connsiteX14" fmla="*/ 88762 w 327663"/>
-              <a:gd name="connsiteY14" fmla="*/ 77918 h 335196"/>
-              <a:gd name="connsiteX15" fmla="*/ 165593 w 327663"/>
-              <a:gd name="connsiteY15" fmla="*/ 154749 h 335196"/>
-            </a:gdLst>
-            <a:ahLst/>
-            <a:cxnLst>
-              <a:cxn ang="0">
-                <a:pos x="connsiteX0" y="connsiteY0"/>
-              </a:cxn>
-              <a:cxn ang="0">
-                <a:pos x="connsiteX1" y="connsiteY1"/>
-              </a:cxn>
-              <a:cxn ang="0">
-                <a:pos x="connsiteX2" y="connsiteY2"/>
-              </a:cxn>
-              <a:cxn ang="0">
-                <a:pos x="connsiteX3" y="connsiteY3"/>
-              </a:cxn>
-              <a:cxn ang="0">
-                <a:pos x="connsiteX4" y="connsiteY4"/>
-              </a:cxn>
-              <a:cxn ang="0">
-                <a:pos x="connsiteX5" y="connsiteY5"/>
-              </a:cxn>
-              <a:cxn ang="0">
-                <a:pos x="connsiteX6" y="connsiteY6"/>
-              </a:cxn>
-              <a:cxn ang="0">
-                <a:pos x="connsiteX7" y="connsiteY7"/>
-              </a:cxn>
-              <a:cxn ang="0">
-                <a:pos x="connsiteX8" y="connsiteY8"/>
-              </a:cxn>
-              <a:cxn ang="0">
-                <a:pos x="connsiteX9" y="connsiteY9"/>
-              </a:cxn>
-              <a:cxn ang="0">
-                <a:pos x="connsiteX10" y="connsiteY10"/>
-              </a:cxn>
-              <a:cxn ang="0">
-                <a:pos x="connsiteX11" y="connsiteY11"/>
-              </a:cxn>
-              <a:cxn ang="0">
-                <a:pos x="connsiteX12" y="connsiteY12"/>
-              </a:cxn>
-              <a:cxn ang="0">
-                <a:pos x="connsiteX13" y="connsiteY13"/>
-              </a:cxn>
-              <a:cxn ang="0">
-                <a:pos x="connsiteX14" y="connsiteY14"/>
-              </a:cxn>
-              <a:cxn ang="0">
-                <a:pos x="connsiteX15" y="connsiteY15"/>
-              </a:cxn>
-            </a:cxnLst>
-            <a:rect l="l" t="t" r="r" b="b"/>
-            <a:pathLst>
-              <a:path w="327663" h="335196">
-                <a:moveTo>
-                  <a:pt x="310594" y="219906"/>
-                </a:moveTo>
-                <a:cubicBezTo>
-                  <a:pt x="287243" y="179983"/>
-                  <a:pt x="246568" y="176217"/>
-                  <a:pt x="246568" y="176217"/>
-                </a:cubicBezTo>
-                <a:lnTo>
-                  <a:pt x="212295" y="176217"/>
-                </a:lnTo>
-                <a:cubicBezTo>
-                  <a:pt x="198360" y="184126"/>
-                  <a:pt x="182541" y="189022"/>
-                  <a:pt x="165217" y="189022"/>
-                </a:cubicBezTo>
-                <a:cubicBezTo>
-                  <a:pt x="147892" y="189022"/>
-                  <a:pt x="132074" y="184503"/>
-                  <a:pt x="118138" y="176217"/>
-                </a:cubicBezTo>
-                <a:lnTo>
-                  <a:pt x="83866" y="176217"/>
-                </a:lnTo>
-                <a:cubicBezTo>
-                  <a:pt x="83866" y="176217"/>
-                  <a:pt x="43190" y="179983"/>
-                  <a:pt x="19839" y="219906"/>
-                </a:cubicBezTo>
-                <a:cubicBezTo>
-                  <a:pt x="-2758" y="259828"/>
-                  <a:pt x="1385" y="299750"/>
-                  <a:pt x="1385" y="299750"/>
-                </a:cubicBezTo>
-                <a:cubicBezTo>
-                  <a:pt x="1385" y="299750"/>
-                  <a:pt x="37164" y="335529"/>
-                  <a:pt x="165970" y="335529"/>
-                </a:cubicBezTo>
-                <a:cubicBezTo>
-                  <a:pt x="294776" y="335529"/>
-                  <a:pt x="329802" y="299750"/>
-                  <a:pt x="329802" y="299750"/>
-                </a:cubicBezTo>
-                <a:cubicBezTo>
-                  <a:pt x="329802" y="299750"/>
-                  <a:pt x="333945" y="259828"/>
-                  <a:pt x="310594" y="219906"/>
-                </a:cubicBezTo>
-                <a:close/>
-                <a:moveTo>
-                  <a:pt x="165593" y="154749"/>
-                </a:moveTo>
-                <a:cubicBezTo>
-                  <a:pt x="208152" y="154749"/>
-                  <a:pt x="242425" y="120477"/>
-                  <a:pt x="242425" y="77918"/>
-                </a:cubicBezTo>
-                <a:cubicBezTo>
-                  <a:pt x="242425" y="35359"/>
-                  <a:pt x="208152" y="1086"/>
-                  <a:pt x="165593" y="1086"/>
-                </a:cubicBezTo>
-                <a:cubicBezTo>
-                  <a:pt x="123035" y="1086"/>
-                  <a:pt x="88762" y="35736"/>
-                  <a:pt x="88762" y="77918"/>
-                </a:cubicBezTo>
-                <a:cubicBezTo>
-                  <a:pt x="88762" y="120477"/>
-                  <a:pt x="123035" y="154749"/>
-                  <a:pt x="165593" y="154749"/>
-                </a:cubicBezTo>
-                <a:close/>
-              </a:path>
-            </a:pathLst>
-          </a:custGeom>
-          <a:solidFill>
-            <a:schemeClr val="tx1">
-              <a:lumMod val="50000"/>
-              <a:lumOff val="50000"/>
-            </a:schemeClr>
-          </a:solidFill>
-          <a:ln w="3663" cap="flat">
-            <a:noFill/>
-            <a:prstDash val="solid"/>
-            <a:miter/>
-          </a:ln>
-        </p:spPr>
-        <p:txBody>
-          <a:bodyPr rtlCol="0" anchor="ctr"/>
-          <a:lstStyle/>
-          <a:p>
-            <a:pPr defTabSz="95235"/>
-            <a:endParaRPr lang="en-US" sz="375">
-              <a:solidFill>
-                <a:prstClr val="black"/>
-              </a:solidFill>
-              <a:latin typeface="Calibri" panose="020F0502020204030204"/>
-            </a:endParaRPr>
-          </a:p>
-        </p:txBody>
-      </p:sp>
       <p:grpSp>
         <p:nvGrpSpPr>
           <p:cNvPr id="7" name="Group 6"/>
@@ -10031,10 +9790,10 @@
         </p:nvGrpSpPr>
         <p:grpSpPr>
           <a:xfrm>
-            <a:off x="9922220" y="304881"/>
-            <a:ext cx="1972804" cy="2974026"/>
+            <a:off x="9922220" y="304880"/>
+            <a:ext cx="1972804" cy="3298768"/>
             <a:chOff x="9283866" y="662231"/>
-            <a:chExt cx="1972804" cy="2974026"/>
+            <a:chExt cx="1972804" cy="3038717"/>
           </a:xfrm>
         </p:grpSpPr>
         <p:pic>
@@ -10165,7 +9924,7 @@
           </p:nvSpPr>
           <p:spPr>
             <a:xfrm rot="5400000">
-              <a:off x="10231578" y="2768078"/>
+              <a:off x="10231578" y="2840871"/>
               <a:ext cx="249698" cy="453445"/>
             </a:xfrm>
             <a:prstGeom prst="rightBrace">
@@ -10241,7 +10000,7 @@
           </p:nvSpPr>
           <p:spPr>
             <a:xfrm>
-              <a:off x="9550807" y="2479436"/>
+              <a:off x="9554944" y="2509651"/>
               <a:ext cx="1149522" cy="553998"/>
             </a:xfrm>
             <a:prstGeom prst="rect">
@@ -10271,7 +10030,7 @@
           </p:nvSpPr>
           <p:spPr>
             <a:xfrm>
-              <a:off x="10356427" y="3082259"/>
+              <a:off x="10356427" y="3146950"/>
               <a:ext cx="864276" cy="553998"/>
             </a:xfrm>
             <a:prstGeom prst="rect">
@@ -10378,18 +10137,15 @@
                 <a:latin typeface="Lato" panose="020F0502020204030203" pitchFamily="34" charset="0"/>
                 <a:cs typeface="Segoe UI" panose="020B0502040204020203" pitchFamily="34" charset="0"/>
               </a:rPr>
-              <a:t>N=100 </a:t>
-            </a:r>
-            <a:r>
-              <a:rPr lang="en-US" sz="900" dirty="0">
-                <a:solidFill>
-                  <a:prstClr val="black"/>
-                </a:solidFill>
-                <a:latin typeface="Lato" panose="020F0502020204030203" pitchFamily="34" charset="0"/>
-                <a:cs typeface="Segoe UI" panose="020B0502040204020203" pitchFamily="34" charset="0"/>
-              </a:rPr>
-              <a:t>per group</a:t>
-            </a:r>
+              <a:t>Total N = 200</a:t>
+            </a:r>
+            <a:endParaRPr lang="en-US" sz="900" dirty="0">
+              <a:solidFill>
+                <a:prstClr val="black"/>
+              </a:solidFill>
+              <a:latin typeface="Lato" panose="020F0502020204030203" pitchFamily="34" charset="0"/>
+              <a:cs typeface="Segoe UI" panose="020B0502040204020203" pitchFamily="34" charset="0"/>
+            </a:endParaRPr>
           </a:p>
           <a:p>
             <a:pPr marL="154756" indent="-154756" defTabSz="95235">
@@ -10481,7 +10237,7 @@
                 <a:latin typeface="Lato" panose="020F0502020204030203" pitchFamily="34" charset="0"/>
                 <a:cs typeface="Segoe UI" panose="020B0502040204020203" pitchFamily="34" charset="0"/>
               </a:rPr>
-              <a:t>Power from Welsh’s test</a:t>
+              <a:t>Power chi-square test</a:t>
             </a:r>
           </a:p>
         </p:txBody>
@@ -10508,8 +10264,8 @@
         </p:blipFill>
         <p:spPr>
           <a:xfrm>
-            <a:off x="3549173" y="1688743"/>
-            <a:ext cx="5486400" cy="3657600"/>
+            <a:off x="3740447" y="1771886"/>
+            <a:ext cx="5489181" cy="3136675"/>
           </a:xfrm>
           <a:prstGeom prst="rect">
             <a:avLst/>

--- a/jsm2023.pptx
+++ b/jsm2023.pptx
@@ -6191,7 +6191,7 @@
                 <a14:useLocalDpi xmlns:a14="http://schemas.microsoft.com/office/drawing/2010/main" val="0"/>
               </a:ext>
               <a:ext uri="{96DAC541-7B7A-43D3-8B79-37D633B846F1}">
-                <asvg:svgBlip xmlns="" xmlns:asvg="http://schemas.microsoft.com/office/drawing/2016/SVG/main" r:embed="rId5"/>
+                <asvg:svgBlip xmlns:asvg="http://schemas.microsoft.com/office/drawing/2016/SVG/main" xmlns="" r:embed="rId5"/>
               </a:ext>
             </a:extLst>
           </a:blip>
@@ -6218,7 +6218,7 @@
           <p:nvPr/>
         </p:nvPicPr>
         <p:blipFill>
-          <a:blip r:embed="rId5" cstate="print">
+          <a:blip r:embed="rId3" cstate="print">
             <a:extLst>
               <a:ext uri="{28A0092B-C50C-407E-A947-70E740481C1C}">
                 <a14:useLocalDpi xmlns:a14="http://schemas.microsoft.com/office/drawing/2010/main" val="0"/>
@@ -8256,7 +8256,7 @@
                 <a14:useLocalDpi xmlns:a14="http://schemas.microsoft.com/office/drawing/2010/main" val="0"/>
               </a:ext>
               <a:ext uri="{96DAC541-7B7A-43D3-8B79-37D633B846F1}">
-                <asvg:svgBlip xmlns="" xmlns:asvg="http://schemas.microsoft.com/office/drawing/2016/SVG/main" r:embed="rId5"/>
+                <asvg:svgBlip xmlns:asvg="http://schemas.microsoft.com/office/drawing/2016/SVG/main" xmlns="" r:embed="rId5"/>
               </a:ext>
             </a:extLst>
           </a:blip>
@@ -8630,8 +8630,8 @@
         </p:nvSpPr>
         <p:spPr>
           <a:xfrm>
-            <a:off x="3271343" y="216697"/>
-            <a:ext cx="6332100" cy="6470352"/>
+            <a:off x="3077026" y="67767"/>
+            <a:ext cx="6766040" cy="6470352"/>
           </a:xfrm>
           <a:prstGeom prst="roundRect">
             <a:avLst/>
@@ -8683,8 +8683,8 @@
         </p:nvSpPr>
         <p:spPr>
           <a:xfrm>
-            <a:off x="3658961" y="436330"/>
-            <a:ext cx="5625705" cy="2243161"/>
+            <a:off x="3198342" y="697072"/>
+            <a:ext cx="6723878" cy="1346804"/>
           </a:xfrm>
         </p:spPr>
         <p:txBody>
@@ -8699,7 +8699,7 @@
               </a:lnSpc>
             </a:pPr>
             <a:r>
-              <a:rPr lang="en-US" sz="4000" dirty="0" smtClean="0">
+              <a:rPr lang="en-US" sz="4400" dirty="0" smtClean="0">
                 <a:solidFill>
                   <a:schemeClr val="bg1"/>
                 </a:solidFill>
@@ -8707,20 +8707,9 @@
                 <a:ea typeface="Segoe UI Black" panose="020B0A02040204020203" pitchFamily="34" charset="0"/>
                 <a:cs typeface="Segoe UI" panose="020B0502040204020203" pitchFamily="34" charset="0"/>
               </a:rPr>
-              <a:t>Even small non-detection rates affect </a:t>
-            </a:r>
-            <a:r>
-              <a:rPr lang="en-US" sz="4000" dirty="0" smtClean="0">
-                <a:solidFill>
-                  <a:schemeClr val="bg1"/>
-                </a:solidFill>
-                <a:latin typeface="Lato Black" panose="020F0A02020204030203" pitchFamily="34" charset="0"/>
-                <a:ea typeface="Segoe UI Black" panose="020B0A02040204020203" pitchFamily="34" charset="0"/>
-                <a:cs typeface="Segoe UI" panose="020B0502040204020203" pitchFamily="34" charset="0"/>
-              </a:rPr>
-              <a:t>GWAS power</a:t>
-            </a:r>
-            <a:endParaRPr lang="en-US" sz="4000" dirty="0">
+              <a:t>Naïve models may have decreased power in GWAS</a:t>
+            </a:r>
+            <a:endParaRPr lang="en-US" sz="4400" dirty="0">
               <a:solidFill>
                 <a:schemeClr val="bg1"/>
               </a:solidFill>
@@ -8745,8 +8734,8 @@
         </p:nvSpPr>
         <p:spPr>
           <a:xfrm>
-            <a:off x="121664" y="1477450"/>
-            <a:ext cx="2905282" cy="5992410"/>
+            <a:off x="134557" y="1370474"/>
+            <a:ext cx="2905282" cy="5549211"/>
           </a:xfrm>
           <a:prstGeom prst="rect">
             <a:avLst/>
@@ -8852,31 +8841,35 @@
               </a:rPr>
               <a:t>Results</a:t>
             </a:r>
-            <a:endParaRPr lang="en-US" sz="1200" b="1" dirty="0">
-              <a:solidFill>
-                <a:prstClr val="black"/>
-              </a:solidFill>
-              <a:latin typeface="Lato" panose="020F0502020204030203" pitchFamily="34" charset="0"/>
-              <a:cs typeface="Segoe UI" panose="020B0502040204020203" pitchFamily="34" charset="0"/>
-            </a:endParaRPr>
-          </a:p>
-          <a:p>
-            <a:pPr marL="119043" indent="-119043" defTabSz="95235">
-              <a:lnSpc>
-                <a:spcPct val="120000"/>
-              </a:lnSpc>
-              <a:buFont typeface="Arial" panose="020B0604020202020204" pitchFamily="34" charset="0"/>
-              <a:buChar char="•"/>
-            </a:pPr>
-            <a:r>
-              <a:rPr lang="en-US" sz="1200" dirty="0" smtClean="0">
+            <a:r>
+              <a:rPr lang="en-US" sz="1200" b="1" dirty="0" smtClean="0">
                 <a:solidFill>
                   <a:prstClr val="black"/>
                 </a:solidFill>
                 <a:latin typeface="Lato" panose="020F0502020204030203" pitchFamily="34" charset="0"/>
                 <a:cs typeface="Segoe UI" panose="020B0502040204020203" pitchFamily="34" charset="0"/>
               </a:rPr>
-              <a:t>Undetected positives decrease the effect size and reduce power, even for small non-detection rates.</a:t>
+              <a:t>: </a:t>
+            </a:r>
+            <a:r>
+              <a:rPr lang="en-US" sz="1200" dirty="0" smtClean="0">
+                <a:solidFill>
+                  <a:prstClr val="black"/>
+                </a:solidFill>
+                <a:latin typeface="Lato" panose="020F0502020204030203" pitchFamily="34" charset="0"/>
+                <a:cs typeface="Segoe UI" panose="020B0502040204020203" pitchFamily="34" charset="0"/>
+              </a:rPr>
+              <a:t>Undetected </a:t>
+            </a:r>
+            <a:r>
+              <a:rPr lang="en-US" sz="1200" dirty="0" smtClean="0">
+                <a:solidFill>
+                  <a:prstClr val="black"/>
+                </a:solidFill>
+                <a:latin typeface="Lato" panose="020F0502020204030203" pitchFamily="34" charset="0"/>
+                <a:cs typeface="Segoe UI" panose="020B0502040204020203" pitchFamily="34" charset="0"/>
+              </a:rPr>
+              <a:t>positives decrease the effect size and reduce power, even for small non-detection rates.</a:t>
             </a:r>
             <a:endParaRPr lang="en-US" sz="1200" dirty="0">
               <a:solidFill>
@@ -8918,31 +8911,35 @@
               </a:rPr>
               <a:t>Discussion</a:t>
             </a:r>
-            <a:endParaRPr lang="en-US" sz="1200" b="1" dirty="0">
-              <a:solidFill>
-                <a:prstClr val="black"/>
-              </a:solidFill>
-              <a:latin typeface="Lato" panose="020F0502020204030203" pitchFamily="34" charset="0"/>
-              <a:cs typeface="Segoe UI" panose="020B0502040204020203" pitchFamily="34" charset="0"/>
-            </a:endParaRPr>
-          </a:p>
-          <a:p>
-            <a:pPr marL="119043" indent="-119043" defTabSz="95235">
-              <a:lnSpc>
-                <a:spcPct val="120000"/>
-              </a:lnSpc>
-              <a:buFont typeface="Arial" panose="020B0604020202020204" pitchFamily="34" charset="0"/>
-              <a:buChar char="•"/>
-            </a:pPr>
-            <a:r>
-              <a:rPr lang="en-US" sz="1200" dirty="0" smtClean="0">
+            <a:r>
+              <a:rPr lang="en-US" sz="1200" b="1" dirty="0" smtClean="0">
                 <a:solidFill>
                   <a:prstClr val="black"/>
                 </a:solidFill>
                 <a:latin typeface="Lato" panose="020F0502020204030203" pitchFamily="34" charset="0"/>
                 <a:cs typeface="Segoe UI" panose="020B0502040204020203" pitchFamily="34" charset="0"/>
               </a:rPr>
-              <a:t>Sample size calculations should account for the non-detection rate.</a:t>
+              <a:t>: </a:t>
+            </a:r>
+            <a:r>
+              <a:rPr lang="en-US" sz="1200" dirty="0" smtClean="0">
+                <a:solidFill>
+                  <a:prstClr val="black"/>
+                </a:solidFill>
+                <a:latin typeface="Lato" panose="020F0502020204030203" pitchFamily="34" charset="0"/>
+                <a:cs typeface="Segoe UI" panose="020B0502040204020203" pitchFamily="34" charset="0"/>
+              </a:rPr>
+              <a:t>Sample </a:t>
+            </a:r>
+            <a:r>
+              <a:rPr lang="en-US" sz="1200" dirty="0" smtClean="0">
+                <a:solidFill>
+                  <a:prstClr val="black"/>
+                </a:solidFill>
+                <a:latin typeface="Lato" panose="020F0502020204030203" pitchFamily="34" charset="0"/>
+                <a:cs typeface="Segoe UI" panose="020B0502040204020203" pitchFamily="34" charset="0"/>
+              </a:rPr>
+              <a:t>size calculations should account for the non-detection rate.</a:t>
             </a:r>
             <a:endParaRPr lang="en-US" sz="1200" dirty="0">
               <a:solidFill>
@@ -9718,8 +9715,8 @@
         </p:nvSpPr>
         <p:spPr>
           <a:xfrm>
-            <a:off x="121664" y="454922"/>
-            <a:ext cx="3212085" cy="584775"/>
+            <a:off x="156157" y="212961"/>
+            <a:ext cx="3163403" cy="584775"/>
           </a:xfrm>
           <a:prstGeom prst="rect">
             <a:avLst/>
@@ -10244,7 +10241,7 @@
       </p:sp>
       <p:pic>
         <p:nvPicPr>
-          <p:cNvPr id="10" name="Picture 9"/>
+          <p:cNvPr id="14" name="Picture 13"/>
           <p:cNvPicPr>
             <a:picLocks noChangeAspect="1"/>
           </p:cNvPicPr>
@@ -10264,8 +10261,8 @@
         </p:blipFill>
         <p:spPr>
           <a:xfrm>
-            <a:off x="3740447" y="1771886"/>
-            <a:ext cx="5489181" cy="3136675"/>
+            <a:off x="3478251" y="2216129"/>
+            <a:ext cx="6029162" cy="3445236"/>
           </a:xfrm>
           <a:prstGeom prst="rect">
             <a:avLst/>

--- a/jsm2023.pptx
+++ b/jsm2023.pptx
@@ -199,7 +199,7 @@
           <a:p>
             <a:fld id="{3BD805B9-2ECF-43F2-B31B-897870BD292D}" type="datetimeFigureOut">
               <a:rPr lang="en-US" smtClean="0"/>
-              <a:t>5/28/2023</a:t>
+              <a:t>6/1/2023</a:t>
             </a:fld>
             <a:endParaRPr lang="en-US"/>
           </a:p>
@@ -1282,7 +1282,7 @@
           <a:p>
             <a:fld id="{3F135061-2F74-46D4-9F8F-C77EF304855D}" type="datetimeFigureOut">
               <a:rPr lang="en-US" smtClean="0"/>
-              <a:t>5/28/2023</a:t>
+              <a:t>6/1/2023</a:t>
             </a:fld>
             <a:endParaRPr lang="en-US"/>
           </a:p>
@@ -1452,7 +1452,7 @@
           <a:p>
             <a:fld id="{3F135061-2F74-46D4-9F8F-C77EF304855D}" type="datetimeFigureOut">
               <a:rPr lang="en-US" smtClean="0"/>
-              <a:t>5/28/2023</a:t>
+              <a:t>6/1/2023</a:t>
             </a:fld>
             <a:endParaRPr lang="en-US"/>
           </a:p>
@@ -1632,7 +1632,7 @@
           <a:p>
             <a:fld id="{3F135061-2F74-46D4-9F8F-C77EF304855D}" type="datetimeFigureOut">
               <a:rPr lang="en-US" smtClean="0"/>
-              <a:t>5/28/2023</a:t>
+              <a:t>6/1/2023</a:t>
             </a:fld>
             <a:endParaRPr lang="en-US"/>
           </a:p>
@@ -1802,7 +1802,7 @@
           <a:p>
             <a:fld id="{3F135061-2F74-46D4-9F8F-C77EF304855D}" type="datetimeFigureOut">
               <a:rPr lang="en-US" smtClean="0"/>
-              <a:t>5/28/2023</a:t>
+              <a:t>6/1/2023</a:t>
             </a:fld>
             <a:endParaRPr lang="en-US"/>
           </a:p>
@@ -2046,7 +2046,7 @@
           <a:p>
             <a:fld id="{3F135061-2F74-46D4-9F8F-C77EF304855D}" type="datetimeFigureOut">
               <a:rPr lang="en-US" smtClean="0"/>
-              <a:t>5/28/2023</a:t>
+              <a:t>6/1/2023</a:t>
             </a:fld>
             <a:endParaRPr lang="en-US"/>
           </a:p>
@@ -2278,7 +2278,7 @@
           <a:p>
             <a:fld id="{3F135061-2F74-46D4-9F8F-C77EF304855D}" type="datetimeFigureOut">
               <a:rPr lang="en-US" smtClean="0"/>
-              <a:t>5/28/2023</a:t>
+              <a:t>6/1/2023</a:t>
             </a:fld>
             <a:endParaRPr lang="en-US"/>
           </a:p>
@@ -2645,7 +2645,7 @@
           <a:p>
             <a:fld id="{3F135061-2F74-46D4-9F8F-C77EF304855D}" type="datetimeFigureOut">
               <a:rPr lang="en-US" smtClean="0"/>
-              <a:t>5/28/2023</a:t>
+              <a:t>6/1/2023</a:t>
             </a:fld>
             <a:endParaRPr lang="en-US"/>
           </a:p>
@@ -2763,7 +2763,7 @@
           <a:p>
             <a:fld id="{3F135061-2F74-46D4-9F8F-C77EF304855D}" type="datetimeFigureOut">
               <a:rPr lang="en-US" smtClean="0"/>
-              <a:t>5/28/2023</a:t>
+              <a:t>6/1/2023</a:t>
             </a:fld>
             <a:endParaRPr lang="en-US"/>
           </a:p>
@@ -2858,7 +2858,7 @@
           <a:p>
             <a:fld id="{3F135061-2F74-46D4-9F8F-C77EF304855D}" type="datetimeFigureOut">
               <a:rPr lang="en-US" smtClean="0"/>
-              <a:t>5/28/2023</a:t>
+              <a:t>6/1/2023</a:t>
             </a:fld>
             <a:endParaRPr lang="en-US"/>
           </a:p>
@@ -3135,7 +3135,7 @@
           <a:p>
             <a:fld id="{3F135061-2F74-46D4-9F8F-C77EF304855D}" type="datetimeFigureOut">
               <a:rPr lang="en-US" smtClean="0"/>
-              <a:t>5/28/2023</a:t>
+              <a:t>6/1/2023</a:t>
             </a:fld>
             <a:endParaRPr lang="en-US"/>
           </a:p>
@@ -3392,7 +3392,7 @@
           <a:p>
             <a:fld id="{3F135061-2F74-46D4-9F8F-C77EF304855D}" type="datetimeFigureOut">
               <a:rPr lang="en-US" smtClean="0"/>
-              <a:t>5/28/2023</a:t>
+              <a:t>6/1/2023</a:t>
             </a:fld>
             <a:endParaRPr lang="en-US"/>
           </a:p>
@@ -3608,7 +3608,7 @@
           <a:p>
             <a:fld id="{3F135061-2F74-46D4-9F8F-C77EF304855D}" type="datetimeFigureOut">
               <a:rPr lang="en-US" smtClean="0"/>
-              <a:t>5/28/2023</a:t>
+              <a:t>6/1/2023</a:t>
             </a:fld>
             <a:endParaRPr lang="en-US"/>
           </a:p>
@@ -6191,7 +6191,7 @@
                 <a14:useLocalDpi xmlns:a14="http://schemas.microsoft.com/office/drawing/2010/main" val="0"/>
               </a:ext>
               <a:ext uri="{96DAC541-7B7A-43D3-8B79-37D633B846F1}">
-                <asvg:svgBlip xmlns:asvg="http://schemas.microsoft.com/office/drawing/2016/SVG/main" xmlns="" r:embed="rId5"/>
+                <asvg:svgBlip xmlns="" xmlns:asvg="http://schemas.microsoft.com/office/drawing/2016/SVG/main" r:embed="rId5"/>
               </a:ext>
             </a:extLst>
           </a:blip>
@@ -6218,7 +6218,7 @@
           <p:nvPr/>
         </p:nvPicPr>
         <p:blipFill>
-          <a:blip r:embed="rId3" cstate="print">
+          <a:blip r:embed="rId5" cstate="print">
             <a:extLst>
               <a:ext uri="{28A0092B-C50C-407E-A947-70E740481C1C}">
                 <a14:useLocalDpi xmlns:a14="http://schemas.microsoft.com/office/drawing/2010/main" val="0"/>
@@ -8256,7 +8256,7 @@
                 <a14:useLocalDpi xmlns:a14="http://schemas.microsoft.com/office/drawing/2010/main" val="0"/>
               </a:ext>
               <a:ext uri="{96DAC541-7B7A-43D3-8B79-37D633B846F1}">
-                <asvg:svgBlip xmlns:asvg="http://schemas.microsoft.com/office/drawing/2016/SVG/main" xmlns="" r:embed="rId5"/>
+                <asvg:svgBlip xmlns="" xmlns:asvg="http://schemas.microsoft.com/office/drawing/2016/SVG/main" r:embed="rId5"/>
               </a:ext>
             </a:extLst>
           </a:blip>
@@ -8839,37 +8839,17 @@
                 <a:latin typeface="Lato" panose="020F0502020204030203" pitchFamily="34" charset="0"/>
                 <a:cs typeface="Segoe UI" panose="020B0502040204020203" pitchFamily="34" charset="0"/>
               </a:rPr>
-              <a:t>Results</a:t>
-            </a:r>
-            <a:r>
-              <a:rPr lang="en-US" sz="1200" b="1" dirty="0" smtClean="0">
+              <a:t>Results: </a:t>
+            </a:r>
+            <a:r>
+              <a:rPr lang="en-US" sz="1200" dirty="0" smtClean="0">
                 <a:solidFill>
                   <a:prstClr val="black"/>
                 </a:solidFill>
                 <a:latin typeface="Lato" panose="020F0502020204030203" pitchFamily="34" charset="0"/>
                 <a:cs typeface="Segoe UI" panose="020B0502040204020203" pitchFamily="34" charset="0"/>
               </a:rPr>
-              <a:t>: </a:t>
-            </a:r>
-            <a:r>
-              <a:rPr lang="en-US" sz="1200" dirty="0" smtClean="0">
-                <a:solidFill>
-                  <a:prstClr val="black"/>
-                </a:solidFill>
-                <a:latin typeface="Lato" panose="020F0502020204030203" pitchFamily="34" charset="0"/>
-                <a:cs typeface="Segoe UI" panose="020B0502040204020203" pitchFamily="34" charset="0"/>
-              </a:rPr>
-              <a:t>Undetected </a:t>
-            </a:r>
-            <a:r>
-              <a:rPr lang="en-US" sz="1200" dirty="0" smtClean="0">
-                <a:solidFill>
-                  <a:prstClr val="black"/>
-                </a:solidFill>
-                <a:latin typeface="Lato" panose="020F0502020204030203" pitchFamily="34" charset="0"/>
-                <a:cs typeface="Segoe UI" panose="020B0502040204020203" pitchFamily="34" charset="0"/>
-              </a:rPr>
-              <a:t>positives decrease the effect size and reduce power, even for small non-detection rates.</a:t>
+              <a:t>Undetected positives decrease the effect size and reduce power, even for small non-detection rates.</a:t>
             </a:r>
             <a:endParaRPr lang="en-US" sz="1200" dirty="0">
               <a:solidFill>
@@ -8909,37 +8889,17 @@
                 <a:latin typeface="Lato" panose="020F0502020204030203" pitchFamily="34" charset="0"/>
                 <a:cs typeface="Segoe UI" panose="020B0502040204020203" pitchFamily="34" charset="0"/>
               </a:rPr>
-              <a:t>Discussion</a:t>
-            </a:r>
-            <a:r>
-              <a:rPr lang="en-US" sz="1200" b="1" dirty="0" smtClean="0">
+              <a:t>Discussion: </a:t>
+            </a:r>
+            <a:r>
+              <a:rPr lang="en-US" sz="1200" dirty="0" smtClean="0">
                 <a:solidFill>
                   <a:prstClr val="black"/>
                 </a:solidFill>
                 <a:latin typeface="Lato" panose="020F0502020204030203" pitchFamily="34" charset="0"/>
                 <a:cs typeface="Segoe UI" panose="020B0502040204020203" pitchFamily="34" charset="0"/>
               </a:rPr>
-              <a:t>: </a:t>
-            </a:r>
-            <a:r>
-              <a:rPr lang="en-US" sz="1200" dirty="0" smtClean="0">
-                <a:solidFill>
-                  <a:prstClr val="black"/>
-                </a:solidFill>
-                <a:latin typeface="Lato" panose="020F0502020204030203" pitchFamily="34" charset="0"/>
-                <a:cs typeface="Segoe UI" panose="020B0502040204020203" pitchFamily="34" charset="0"/>
-              </a:rPr>
-              <a:t>Sample </a:t>
-            </a:r>
-            <a:r>
-              <a:rPr lang="en-US" sz="1200" dirty="0" smtClean="0">
-                <a:solidFill>
-                  <a:prstClr val="black"/>
-                </a:solidFill>
-                <a:latin typeface="Lato" panose="020F0502020204030203" pitchFamily="34" charset="0"/>
-                <a:cs typeface="Segoe UI" panose="020B0502040204020203" pitchFamily="34" charset="0"/>
-              </a:rPr>
-              <a:t>size calculations should account for the non-detection rate.</a:t>
+              <a:t>Sample size calculations should account for the non-detection rate.</a:t>
             </a:r>
             <a:endParaRPr lang="en-US" sz="1200" dirty="0">
               <a:solidFill>
@@ -10241,7 +10201,7 @@
       </p:sp>
       <p:pic>
         <p:nvPicPr>
-          <p:cNvPr id="14" name="Picture 13"/>
+          <p:cNvPr id="12" name="Picture 11"/>
           <p:cNvPicPr>
             <a:picLocks noChangeAspect="1"/>
           </p:cNvPicPr>
@@ -10261,8 +10221,8 @@
         </p:blipFill>
         <p:spPr>
           <a:xfrm>
-            <a:off x="3478251" y="2216129"/>
-            <a:ext cx="6029162" cy="3445236"/>
+            <a:off x="3704140" y="2243361"/>
+            <a:ext cx="5681800" cy="3246743"/>
           </a:xfrm>
           <a:prstGeom prst="rect">
             <a:avLst/>
